--- a/Doc/maquettes.pptx
+++ b/Doc/maquettes.pptx
@@ -2,12 +2,13 @@
 <file path=ppt/presentation.xml><?xml version="1.0" encoding="utf-8"?>
 <p:presentation xmlns:a="http://schemas.openxmlformats.org/drawingml/2006/main" xmlns:r="http://schemas.openxmlformats.org/officeDocument/2006/relationships" xmlns:p="http://schemas.openxmlformats.org/presentationml/2006/main" saveSubsetFonts="1">
   <p:sldMasterIdLst>
-    <p:sldMasterId id="2147483648" r:id="rId95"/>
+    <p:sldMasterId id="2147483648" r:id="rId105"/>
   </p:sldMasterIdLst>
   <p:sldIdLst>
-    <p:sldId id="256" r:id="rId96"/>
-    <p:sldId id="258" r:id="rId97"/>
-    <p:sldId id="257" r:id="rId98"/>
+    <p:sldId id="256" r:id="rId106"/>
+    <p:sldId id="258" r:id="rId107"/>
+    <p:sldId id="257" r:id="rId108"/>
+    <p:sldId id="259" r:id="rId109"/>
   </p:sldIdLst>
   <p:sldSz cx="9144000" cy="6858000" type="screen4x3"/>
   <p:notesSz cx="6858000" cy="9144000"/>
@@ -106,6 +107,22 @@
       </a:defRPr>
     </a:lvl9pPr>
   </p:defaultTextStyle>
+  <p:extLst>
+    <p:ext uri="{EFAFB233-063F-42B5-8137-9DF3F51BA10A}">
+      <p15:sldGuideLst xmlns:p15="http://schemas.microsoft.com/office/powerpoint/2012/main">
+        <p15:guide id="1" orient="horz" pos="2160">
+          <p15:clr>
+            <a:srgbClr val="A4A3A4"/>
+          </p15:clr>
+        </p15:guide>
+        <p15:guide id="2" pos="2880">
+          <p15:clr>
+            <a:srgbClr val="A4A3A4"/>
+          </p15:clr>
+        </p15:guide>
+      </p15:sldGuideLst>
+    </p:ext>
+  </p:extLst>
 </p:presentation>
 </file>
 
@@ -290,7 +307,7 @@
           <a:p>
             <a:fld id="{786C9B98-23D1-4C1B-8890-B4A0CD0319B5}" type="datetimeFigureOut">
               <a:rPr lang="fr-CH" smtClean="0"/>
-              <a:t>08.06.2017</a:t>
+              <a:t>18.06.2017</a:t>
             </a:fld>
             <a:endParaRPr lang="fr-CH"/>
           </a:p>
@@ -332,7 +349,7 @@
           <a:p>
             <a:fld id="{3288B532-C004-4B3E-85D2-6BA0E51F0E32}" type="slidenum">
               <a:rPr lang="fr-CH" smtClean="0"/>
-              <a:t>‹N°›</a:t>
+              <a:t>‹#›</a:t>
             </a:fld>
             <a:endParaRPr lang="fr-CH"/>
           </a:p>
@@ -460,7 +477,7 @@
           <a:p>
             <a:fld id="{786C9B98-23D1-4C1B-8890-B4A0CD0319B5}" type="datetimeFigureOut">
               <a:rPr lang="fr-CH" smtClean="0"/>
-              <a:t>08.06.2017</a:t>
+              <a:t>18.06.2017</a:t>
             </a:fld>
             <a:endParaRPr lang="fr-CH"/>
           </a:p>
@@ -502,7 +519,7 @@
           <a:p>
             <a:fld id="{3288B532-C004-4B3E-85D2-6BA0E51F0E32}" type="slidenum">
               <a:rPr lang="fr-CH" smtClean="0"/>
-              <a:t>‹N°›</a:t>
+              <a:t>‹#›</a:t>
             </a:fld>
             <a:endParaRPr lang="fr-CH"/>
           </a:p>
@@ -640,7 +657,7 @@
           <a:p>
             <a:fld id="{786C9B98-23D1-4C1B-8890-B4A0CD0319B5}" type="datetimeFigureOut">
               <a:rPr lang="fr-CH" smtClean="0"/>
-              <a:t>08.06.2017</a:t>
+              <a:t>18.06.2017</a:t>
             </a:fld>
             <a:endParaRPr lang="fr-CH"/>
           </a:p>
@@ -682,7 +699,7 @@
           <a:p>
             <a:fld id="{3288B532-C004-4B3E-85D2-6BA0E51F0E32}" type="slidenum">
               <a:rPr lang="fr-CH" smtClean="0"/>
-              <a:t>‹N°›</a:t>
+              <a:t>‹#›</a:t>
             </a:fld>
             <a:endParaRPr lang="fr-CH"/>
           </a:p>
@@ -810,7 +827,7 @@
           <a:p>
             <a:fld id="{786C9B98-23D1-4C1B-8890-B4A0CD0319B5}" type="datetimeFigureOut">
               <a:rPr lang="fr-CH" smtClean="0"/>
-              <a:t>08.06.2017</a:t>
+              <a:t>18.06.2017</a:t>
             </a:fld>
             <a:endParaRPr lang="fr-CH"/>
           </a:p>
@@ -852,7 +869,7 @@
           <a:p>
             <a:fld id="{3288B532-C004-4B3E-85D2-6BA0E51F0E32}" type="slidenum">
               <a:rPr lang="fr-CH" smtClean="0"/>
-              <a:t>‹N°›</a:t>
+              <a:t>‹#›</a:t>
             </a:fld>
             <a:endParaRPr lang="fr-CH"/>
           </a:p>
@@ -1056,7 +1073,7 @@
           <a:p>
             <a:fld id="{786C9B98-23D1-4C1B-8890-B4A0CD0319B5}" type="datetimeFigureOut">
               <a:rPr lang="fr-CH" smtClean="0"/>
-              <a:t>08.06.2017</a:t>
+              <a:t>18.06.2017</a:t>
             </a:fld>
             <a:endParaRPr lang="fr-CH"/>
           </a:p>
@@ -1098,7 +1115,7 @@
           <a:p>
             <a:fld id="{3288B532-C004-4B3E-85D2-6BA0E51F0E32}" type="slidenum">
               <a:rPr lang="fr-CH" smtClean="0"/>
-              <a:t>‹N°›</a:t>
+              <a:t>‹#›</a:t>
             </a:fld>
             <a:endParaRPr lang="fr-CH"/>
           </a:p>
@@ -1344,7 +1361,7 @@
           <a:p>
             <a:fld id="{786C9B98-23D1-4C1B-8890-B4A0CD0319B5}" type="datetimeFigureOut">
               <a:rPr lang="fr-CH" smtClean="0"/>
-              <a:t>08.06.2017</a:t>
+              <a:t>18.06.2017</a:t>
             </a:fld>
             <a:endParaRPr lang="fr-CH"/>
           </a:p>
@@ -1386,7 +1403,7 @@
           <a:p>
             <a:fld id="{3288B532-C004-4B3E-85D2-6BA0E51F0E32}" type="slidenum">
               <a:rPr lang="fr-CH" smtClean="0"/>
-              <a:t>‹N°›</a:t>
+              <a:t>‹#›</a:t>
             </a:fld>
             <a:endParaRPr lang="fr-CH"/>
           </a:p>
@@ -1766,7 +1783,7 @@
           <a:p>
             <a:fld id="{786C9B98-23D1-4C1B-8890-B4A0CD0319B5}" type="datetimeFigureOut">
               <a:rPr lang="fr-CH" smtClean="0"/>
-              <a:t>08.06.2017</a:t>
+              <a:t>18.06.2017</a:t>
             </a:fld>
             <a:endParaRPr lang="fr-CH"/>
           </a:p>
@@ -1808,7 +1825,7 @@
           <a:p>
             <a:fld id="{3288B532-C004-4B3E-85D2-6BA0E51F0E32}" type="slidenum">
               <a:rPr lang="fr-CH" smtClean="0"/>
-              <a:t>‹N°›</a:t>
+              <a:t>‹#›</a:t>
             </a:fld>
             <a:endParaRPr lang="fr-CH"/>
           </a:p>
@@ -1884,7 +1901,7 @@
           <a:p>
             <a:fld id="{786C9B98-23D1-4C1B-8890-B4A0CD0319B5}" type="datetimeFigureOut">
               <a:rPr lang="fr-CH" smtClean="0"/>
-              <a:t>08.06.2017</a:t>
+              <a:t>18.06.2017</a:t>
             </a:fld>
             <a:endParaRPr lang="fr-CH"/>
           </a:p>
@@ -1926,7 +1943,7 @@
           <a:p>
             <a:fld id="{3288B532-C004-4B3E-85D2-6BA0E51F0E32}" type="slidenum">
               <a:rPr lang="fr-CH" smtClean="0"/>
-              <a:t>‹N°›</a:t>
+              <a:t>‹#›</a:t>
             </a:fld>
             <a:endParaRPr lang="fr-CH"/>
           </a:p>
@@ -1979,7 +1996,7 @@
           <a:p>
             <a:fld id="{786C9B98-23D1-4C1B-8890-B4A0CD0319B5}" type="datetimeFigureOut">
               <a:rPr lang="fr-CH" smtClean="0"/>
-              <a:t>08.06.2017</a:t>
+              <a:t>18.06.2017</a:t>
             </a:fld>
             <a:endParaRPr lang="fr-CH"/>
           </a:p>
@@ -2021,7 +2038,7 @@
           <a:p>
             <a:fld id="{3288B532-C004-4B3E-85D2-6BA0E51F0E32}" type="slidenum">
               <a:rPr lang="fr-CH" smtClean="0"/>
-              <a:t>‹N°›</a:t>
+              <a:t>‹#›</a:t>
             </a:fld>
             <a:endParaRPr lang="fr-CH"/>
           </a:p>
@@ -2256,7 +2273,7 @@
           <a:p>
             <a:fld id="{786C9B98-23D1-4C1B-8890-B4A0CD0319B5}" type="datetimeFigureOut">
               <a:rPr lang="fr-CH" smtClean="0"/>
-              <a:t>08.06.2017</a:t>
+              <a:t>18.06.2017</a:t>
             </a:fld>
             <a:endParaRPr lang="fr-CH"/>
           </a:p>
@@ -2298,7 +2315,7 @@
           <a:p>
             <a:fld id="{3288B532-C004-4B3E-85D2-6BA0E51F0E32}" type="slidenum">
               <a:rPr lang="fr-CH" smtClean="0"/>
-              <a:t>‹N°›</a:t>
+              <a:t>‹#›</a:t>
             </a:fld>
             <a:endParaRPr lang="fr-CH"/>
           </a:p>
@@ -2509,7 +2526,7 @@
           <a:p>
             <a:fld id="{786C9B98-23D1-4C1B-8890-B4A0CD0319B5}" type="datetimeFigureOut">
               <a:rPr lang="fr-CH" smtClean="0"/>
-              <a:t>08.06.2017</a:t>
+              <a:t>18.06.2017</a:t>
             </a:fld>
             <a:endParaRPr lang="fr-CH"/>
           </a:p>
@@ -2551,7 +2568,7 @@
           <a:p>
             <a:fld id="{3288B532-C004-4B3E-85D2-6BA0E51F0E32}" type="slidenum">
               <a:rPr lang="fr-CH" smtClean="0"/>
-              <a:t>‹N°›</a:t>
+              <a:t>‹#›</a:t>
             </a:fld>
             <a:endParaRPr lang="fr-CH"/>
           </a:p>
@@ -2722,7 +2739,7 @@
           <a:p>
             <a:fld id="{786C9B98-23D1-4C1B-8890-B4A0CD0319B5}" type="datetimeFigureOut">
               <a:rPr lang="fr-CH" smtClean="0"/>
-              <a:t>08.06.2017</a:t>
+              <a:t>18.06.2017</a:t>
             </a:fld>
             <a:endParaRPr lang="fr-CH"/>
           </a:p>
@@ -2800,7 +2817,7 @@
           <a:p>
             <a:fld id="{3288B532-C004-4B3E-85D2-6BA0E51F0E32}" type="slidenum">
               <a:rPr lang="fr-CH" smtClean="0"/>
-              <a:t>‹N°›</a:t>
+              <a:t>‹#›</a:t>
             </a:fld>
             <a:endParaRPr lang="fr-CH"/>
           </a:p>
@@ -3976,19 +3993,7 @@
                     </a:solidFill>
                     <a:latin typeface="Segoe UI"/>
                   </a:rPr>
-                  <a:t>http://</a:t>
-                </a:r>
-                <a:r>
-                  <a:rPr lang="en-US" sz="1200" kern="0" dirty="0" smtClean="0">
-                    <a:solidFill>
-                      <a:prstClr val="black">
-                        <a:lumMod val="75000"/>
-                        <a:lumOff val="25000"/>
-                      </a:prstClr>
-                    </a:solidFill>
-                    <a:latin typeface="Segoe UI"/>
-                  </a:rPr>
-                  <a:t>www.gestock.ch/index.php</a:t>
+                  <a:t>http://www.gestock.ch/index.php</a:t>
                 </a:r>
                 <a:endParaRPr lang="en-US" sz="1200" kern="0" dirty="0">
                   <a:solidFill>
@@ -9198,19 +9203,7 @@
                     </a:solidFill>
                     <a:latin typeface="Segoe UI"/>
                   </a:rPr>
-                  <a:t>http://</a:t>
-                </a:r>
-                <a:r>
-                  <a:rPr lang="en-US" sz="1200" kern="0" dirty="0" smtClean="0">
-                    <a:solidFill>
-                      <a:prstClr val="black">
-                        <a:lumMod val="75000"/>
-                        <a:lumOff val="25000"/>
-                      </a:prstClr>
-                    </a:solidFill>
-                    <a:latin typeface="Segoe UI"/>
-                  </a:rPr>
-                  <a:t>www.gestock.ch/productDetails.php</a:t>
+                  <a:t>http://www.gestock.ch/productDetails.php</a:t>
                 </a:r>
                 <a:endParaRPr lang="en-US" sz="1200" kern="0" dirty="0">
                   <a:solidFill>
@@ -11571,19 +11564,7 @@
                     </a:solidFill>
                     <a:latin typeface="Segoe UI"/>
                   </a:rPr>
-                  <a:t>http://</a:t>
-                </a:r>
-                <a:r>
-                  <a:rPr lang="en-US" sz="1200" kern="0" dirty="0" smtClean="0">
-                    <a:solidFill>
-                      <a:prstClr val="black">
-                        <a:lumMod val="75000"/>
-                        <a:lumOff val="25000"/>
-                      </a:prstClr>
-                    </a:solidFill>
-                    <a:latin typeface="Segoe UI"/>
-                  </a:rPr>
-                  <a:t>www.gestock.ch/login.php</a:t>
+                  <a:t>http://www.gestock.ch/login.php</a:t>
                 </a:r>
                 <a:endParaRPr lang="en-US" sz="1200" kern="0" dirty="0">
                   <a:solidFill>
@@ -12893,6 +12874,1836 @@
     <p:extLst>
       <p:ext uri="{BB962C8B-B14F-4D97-AF65-F5344CB8AC3E}">
         <p14:creationId xmlns:p14="http://schemas.microsoft.com/office/powerpoint/2010/main" val="1906577515"/>
+      </p:ext>
+    </p:extLst>
+  </p:cSld>
+  <p:clrMapOvr>
+    <a:masterClrMapping/>
+  </p:clrMapOvr>
+  <p:timing>
+    <p:tnLst>
+      <p:par>
+        <p:cTn id="1" dur="indefinite" restart="never" nodeType="tmRoot"/>
+      </p:par>
+    </p:tnLst>
+  </p:timing>
+</p:sld>
+</file>
+
+<file path=ppt/slides/slide4.xml><?xml version="1.0" encoding="utf-8"?>
+<p:sld xmlns:a="http://schemas.openxmlformats.org/drawingml/2006/main" xmlns:r="http://schemas.openxmlformats.org/officeDocument/2006/relationships" xmlns:p="http://schemas.openxmlformats.org/presentationml/2006/main">
+  <p:cSld>
+    <p:spTree>
+      <p:nvGrpSpPr>
+        <p:cNvPr id="1" name=""/>
+        <p:cNvGrpSpPr/>
+        <p:nvPr/>
+      </p:nvGrpSpPr>
+      <p:grpSpPr>
+        <a:xfrm>
+          <a:off x="0" y="0"/>
+          <a:ext cx="0" cy="0"/>
+          <a:chOff x="0" y="0"/>
+          <a:chExt cx="0" cy="0"/>
+        </a:xfrm>
+      </p:grpSpPr>
+      <p:grpSp>
+        <p:nvGrpSpPr>
+          <p:cNvPr id="2" name="WebBrowser"/>
+          <p:cNvGrpSpPr/>
+          <p:nvPr>
+            <p:custDataLst>
+              <p:custData r:id="rId1"/>
+            </p:custDataLst>
+          </p:nvPr>
+        </p:nvGrpSpPr>
+        <p:grpSpPr>
+          <a:xfrm>
+            <a:off x="0" y="0"/>
+            <a:ext cx="9144000" cy="6858000"/>
+            <a:chOff x="0" y="0"/>
+            <a:chExt cx="9144000" cy="6858000"/>
+          </a:xfrm>
+        </p:grpSpPr>
+        <p:sp>
+          <p:nvSpPr>
+            <p:cNvPr id="3" name="Background"/>
+            <p:cNvSpPr/>
+            <p:nvPr/>
+          </p:nvSpPr>
+          <p:spPr>
+            <a:xfrm>
+              <a:off x="0" y="0"/>
+              <a:ext cx="9144000" cy="6858000"/>
+            </a:xfrm>
+            <a:prstGeom prst="rect">
+              <a:avLst/>
+            </a:prstGeom>
+            <a:solidFill>
+              <a:srgbClr val="FFFFFF">
+                <a:lumMod val="65000"/>
+              </a:srgbClr>
+            </a:solidFill>
+            <a:ln w="3175" cap="flat" cmpd="sng" algn="ctr">
+              <a:solidFill>
+                <a:srgbClr val="000000">
+                  <a:lumMod val="50000"/>
+                  <a:lumOff val="50000"/>
+                </a:srgbClr>
+              </a:solidFill>
+              <a:prstDash val="solid"/>
+            </a:ln>
+            <a:effectLst/>
+          </p:spPr>
+          <p:txBody>
+            <a:bodyPr rtlCol="0" anchor="ctr"/>
+            <a:lstStyle/>
+            <a:p>
+              <a:pPr algn="ctr"/>
+              <a:endParaRPr lang="en-US" sz="1050" kern="0" dirty="0">
+                <a:solidFill>
+                  <a:prstClr val="white"/>
+                </a:solidFill>
+                <a:latin typeface="Segoe UI"/>
+              </a:endParaRPr>
+            </a:p>
+          </p:txBody>
+        </p:sp>
+        <p:sp>
+          <p:nvSpPr>
+            <p:cNvPr id="4" name="WindowTitle"/>
+            <p:cNvSpPr txBox="1"/>
+            <p:nvPr/>
+          </p:nvSpPr>
+          <p:spPr>
+            <a:xfrm>
+              <a:off x="22515" y="22341"/>
+              <a:ext cx="725263" cy="230832"/>
+            </a:xfrm>
+            <a:prstGeom prst="rect">
+              <a:avLst/>
+            </a:prstGeom>
+            <a:noFill/>
+          </p:spPr>
+          <p:txBody>
+            <a:bodyPr wrap="none" lIns="91440" tIns="18288" rIns="91440" bIns="27432" rtlCol="0" anchor="ctr" anchorCtr="0">
+              <a:spAutoFit/>
+            </a:bodyPr>
+            <a:lstStyle/>
+            <a:p>
+              <a:r>
+                <a:rPr lang="en-US" sz="1200" dirty="0" err="1" smtClean="0">
+                  <a:solidFill>
+                    <a:prstClr val="white"/>
+                  </a:solidFill>
+                  <a:latin typeface="Segoe UI" pitchFamily="34" charset="0"/>
+                  <a:ea typeface="Segoe UI" pitchFamily="34" charset="0"/>
+                  <a:cs typeface="Segoe UI" pitchFamily="34" charset="0"/>
+                </a:rPr>
+                <a:t>Gestock</a:t>
+              </a:r>
+              <a:endParaRPr lang="en-US" sz="1200" dirty="0" smtClean="0">
+                <a:solidFill>
+                  <a:prstClr val="white"/>
+                </a:solidFill>
+                <a:latin typeface="Segoe UI" pitchFamily="34" charset="0"/>
+                <a:ea typeface="Segoe UI" pitchFamily="34" charset="0"/>
+                <a:cs typeface="Segoe UI" pitchFamily="34" charset="0"/>
+              </a:endParaRPr>
+            </a:p>
+          </p:txBody>
+        </p:sp>
+        <p:grpSp>
+          <p:nvGrpSpPr>
+            <p:cNvPr id="5" name="Group 4"/>
+            <p:cNvGrpSpPr/>
+            <p:nvPr/>
+          </p:nvGrpSpPr>
+          <p:grpSpPr>
+            <a:xfrm>
+              <a:off x="81598" y="286385"/>
+              <a:ext cx="320040" cy="316520"/>
+              <a:chOff x="72073" y="221749"/>
+              <a:chExt cx="320040" cy="316520"/>
+            </a:xfrm>
+          </p:grpSpPr>
+          <p:sp>
+            <p:nvSpPr>
+              <p:cNvPr id="29" name="Oval 28"/>
+              <p:cNvSpPr/>
+              <p:nvPr/>
+            </p:nvSpPr>
+            <p:spPr>
+              <a:xfrm>
+                <a:off x="72073" y="221749"/>
+                <a:ext cx="320040" cy="316520"/>
+              </a:xfrm>
+              <a:prstGeom prst="ellipse">
+                <a:avLst/>
+              </a:prstGeom>
+              <a:gradFill flip="none" rotWithShape="1">
+                <a:gsLst>
+                  <a:gs pos="91000">
+                    <a:srgbClr val="FFFFFF">
+                      <a:lumMod val="85000"/>
+                    </a:srgbClr>
+                  </a:gs>
+                  <a:gs pos="36000">
+                    <a:srgbClr val="FFFFFF">
+                      <a:lumMod val="95000"/>
+                    </a:srgbClr>
+                  </a:gs>
+                  <a:gs pos="100000">
+                    <a:srgbClr val="FFFFFF">
+                      <a:lumMod val="95000"/>
+                    </a:srgbClr>
+                  </a:gs>
+                </a:gsLst>
+                <a:lin ang="5400000" scaled="0"/>
+                <a:tileRect/>
+              </a:gradFill>
+              <a:ln w="3175">
+                <a:solidFill>
+                  <a:srgbClr val="000000">
+                    <a:lumMod val="50000"/>
+                    <a:lumOff val="50000"/>
+                  </a:srgbClr>
+                </a:solidFill>
+              </a:ln>
+              <a:effectLst/>
+            </p:spPr>
+            <p:style>
+              <a:lnRef idx="2">
+                <a:srgbClr val="4F81BD">
+                  <a:shade val="50000"/>
+                </a:srgbClr>
+              </a:lnRef>
+              <a:fillRef idx="1">
+                <a:srgbClr val="4F81BD"/>
+              </a:fillRef>
+              <a:effectRef idx="0">
+                <a:srgbClr val="4F81BD"/>
+              </a:effectRef>
+              <a:fontRef idx="minor">
+                <a:srgbClr val="000000"/>
+              </a:fontRef>
+            </p:style>
+            <p:txBody>
+              <a:bodyPr rtlCol="0" anchor="ctr"/>
+              <a:lstStyle/>
+              <a:p>
+                <a:pPr algn="ctr"/>
+                <a:endParaRPr lang="en-US" sz="1050" u="sng">
+                  <a:solidFill>
+                    <a:prstClr val="white"/>
+                  </a:solidFill>
+                </a:endParaRPr>
+              </a:p>
+            </p:txBody>
+          </p:sp>
+          <p:sp>
+            <p:nvSpPr>
+              <p:cNvPr id="30" name="Left Arrow 29"/>
+              <p:cNvSpPr/>
+              <p:nvPr/>
+            </p:nvSpPr>
+            <p:spPr>
+              <a:xfrm>
+                <a:off x="109358" y="275511"/>
+                <a:ext cx="223134" cy="208997"/>
+              </a:xfrm>
+              <a:prstGeom prst="leftArrow">
+                <a:avLst/>
+              </a:prstGeom>
+              <a:solidFill>
+                <a:sysClr val="window" lastClr="FFFFFF"/>
+              </a:solidFill>
+              <a:ln w="3175" cap="flat" cmpd="sng" algn="ctr">
+                <a:solidFill>
+                  <a:sysClr val="windowText" lastClr="000000">
+                    <a:lumMod val="75000"/>
+                    <a:lumOff val="25000"/>
+                  </a:sysClr>
+                </a:solidFill>
+                <a:prstDash val="solid"/>
+              </a:ln>
+              <a:effectLst/>
+            </p:spPr>
+            <p:txBody>
+              <a:bodyPr rtlCol="0" anchor="ctr"/>
+              <a:lstStyle/>
+              <a:p>
+                <a:pPr algn="ctr"/>
+                <a:endParaRPr lang="en-US" sz="1050" kern="0">
+                  <a:solidFill>
+                    <a:prstClr val="white"/>
+                  </a:solidFill>
+                  <a:latin typeface="Segoe UI"/>
+                </a:endParaRPr>
+              </a:p>
+            </p:txBody>
+          </p:sp>
+        </p:grpSp>
+        <p:grpSp>
+          <p:nvGrpSpPr>
+            <p:cNvPr id="6" name="Group 5"/>
+            <p:cNvGrpSpPr/>
+            <p:nvPr/>
+          </p:nvGrpSpPr>
+          <p:grpSpPr>
+            <a:xfrm>
+              <a:off x="453671" y="286384"/>
+              <a:ext cx="320040" cy="316520"/>
+              <a:chOff x="444146" y="221748"/>
+              <a:chExt cx="320040" cy="316520"/>
+            </a:xfrm>
+          </p:grpSpPr>
+          <p:sp>
+            <p:nvSpPr>
+              <p:cNvPr id="27" name="Oval 26"/>
+              <p:cNvSpPr/>
+              <p:nvPr/>
+            </p:nvSpPr>
+            <p:spPr>
+              <a:xfrm>
+                <a:off x="444146" y="221748"/>
+                <a:ext cx="320040" cy="316520"/>
+              </a:xfrm>
+              <a:prstGeom prst="ellipse">
+                <a:avLst/>
+              </a:prstGeom>
+              <a:gradFill flip="none" rotWithShape="1">
+                <a:gsLst>
+                  <a:gs pos="91000">
+                    <a:srgbClr val="FFFFFF">
+                      <a:lumMod val="85000"/>
+                    </a:srgbClr>
+                  </a:gs>
+                  <a:gs pos="36000">
+                    <a:srgbClr val="FFFFFF">
+                      <a:lumMod val="95000"/>
+                    </a:srgbClr>
+                  </a:gs>
+                  <a:gs pos="100000">
+                    <a:srgbClr val="FFFFFF">
+                      <a:lumMod val="95000"/>
+                    </a:srgbClr>
+                  </a:gs>
+                </a:gsLst>
+                <a:lin ang="5400000" scaled="0"/>
+                <a:tileRect/>
+              </a:gradFill>
+              <a:ln w="3175">
+                <a:solidFill>
+                  <a:srgbClr val="000000">
+                    <a:lumMod val="50000"/>
+                    <a:lumOff val="50000"/>
+                  </a:srgbClr>
+                </a:solidFill>
+              </a:ln>
+              <a:effectLst/>
+            </p:spPr>
+            <p:style>
+              <a:lnRef idx="2">
+                <a:srgbClr val="4F81BD">
+                  <a:shade val="50000"/>
+                </a:srgbClr>
+              </a:lnRef>
+              <a:fillRef idx="1">
+                <a:srgbClr val="4F81BD"/>
+              </a:fillRef>
+              <a:effectRef idx="0">
+                <a:srgbClr val="4F81BD"/>
+              </a:effectRef>
+              <a:fontRef idx="minor">
+                <a:srgbClr val="000000"/>
+              </a:fontRef>
+            </p:style>
+            <p:txBody>
+              <a:bodyPr rtlCol="0" anchor="ctr"/>
+              <a:lstStyle/>
+              <a:p>
+                <a:pPr algn="ctr"/>
+                <a:endParaRPr lang="en-US" sz="1050" u="sng">
+                  <a:solidFill>
+                    <a:prstClr val="white"/>
+                  </a:solidFill>
+                </a:endParaRPr>
+              </a:p>
+            </p:txBody>
+          </p:sp>
+          <p:sp>
+            <p:nvSpPr>
+              <p:cNvPr id="28" name="Right Arrow 27"/>
+              <p:cNvSpPr/>
+              <p:nvPr/>
+            </p:nvSpPr>
+            <p:spPr>
+              <a:xfrm>
+                <a:off x="481249" y="275509"/>
+                <a:ext cx="257146" cy="208999"/>
+              </a:xfrm>
+              <a:prstGeom prst="rightArrow">
+                <a:avLst/>
+              </a:prstGeom>
+              <a:solidFill>
+                <a:sysClr val="window" lastClr="FFFFFF"/>
+              </a:solidFill>
+              <a:ln w="3175" cap="flat" cmpd="sng" algn="ctr">
+                <a:solidFill>
+                  <a:sysClr val="windowText" lastClr="000000">
+                    <a:lumMod val="75000"/>
+                    <a:lumOff val="25000"/>
+                  </a:sysClr>
+                </a:solidFill>
+                <a:prstDash val="solid"/>
+              </a:ln>
+              <a:effectLst/>
+            </p:spPr>
+            <p:txBody>
+              <a:bodyPr rtlCol="0" anchor="ctr"/>
+              <a:lstStyle/>
+              <a:p>
+                <a:pPr algn="ctr"/>
+                <a:endParaRPr lang="en-US" sz="1050" kern="0">
+                  <a:solidFill>
+                    <a:prstClr val="white"/>
+                  </a:solidFill>
+                  <a:latin typeface="Segoe UI"/>
+                </a:endParaRPr>
+              </a:p>
+            </p:txBody>
+          </p:sp>
+        </p:grpSp>
+        <p:grpSp>
+          <p:nvGrpSpPr>
+            <p:cNvPr id="7" name="Minimize - Maximize - Close"/>
+            <p:cNvGrpSpPr/>
+            <p:nvPr/>
+          </p:nvGrpSpPr>
+          <p:grpSpPr>
+            <a:xfrm>
+              <a:off x="8632311" y="92599"/>
+              <a:ext cx="384527" cy="78032"/>
+              <a:chOff x="9347642" y="131588"/>
+              <a:chExt cx="384527" cy="78032"/>
+            </a:xfrm>
+          </p:grpSpPr>
+          <p:cxnSp>
+            <p:nvCxnSpPr>
+              <p:cNvPr id="22" name="Line"/>
+              <p:cNvCxnSpPr/>
+              <p:nvPr/>
+            </p:nvCxnSpPr>
+            <p:spPr>
+              <a:xfrm>
+                <a:off x="9661396" y="131588"/>
+                <a:ext cx="70773" cy="76200"/>
+              </a:xfrm>
+              <a:prstGeom prst="line">
+                <a:avLst/>
+              </a:prstGeom>
+              <a:ln w="12700">
+                <a:solidFill>
+                  <a:srgbClr val="FFFFFF"/>
+                </a:solidFill>
+              </a:ln>
+            </p:spPr>
+            <p:style>
+              <a:lnRef idx="1">
+                <a:srgbClr val="4F81BD"/>
+              </a:lnRef>
+              <a:fillRef idx="0">
+                <a:srgbClr val="4F81BD"/>
+              </a:fillRef>
+              <a:effectRef idx="0">
+                <a:srgbClr val="4F81BD"/>
+              </a:effectRef>
+              <a:fontRef idx="minor">
+                <a:srgbClr val="000000"/>
+              </a:fontRef>
+            </p:style>
+          </p:cxnSp>
+          <p:cxnSp>
+            <p:nvCxnSpPr>
+              <p:cNvPr id="23" name="Line"/>
+              <p:cNvCxnSpPr/>
+              <p:nvPr/>
+            </p:nvCxnSpPr>
+            <p:spPr>
+              <a:xfrm flipH="1">
+                <a:off x="9661395" y="131588"/>
+                <a:ext cx="70773" cy="76200"/>
+              </a:xfrm>
+              <a:prstGeom prst="line">
+                <a:avLst/>
+              </a:prstGeom>
+              <a:ln w="12700">
+                <a:solidFill>
+                  <a:srgbClr val="FFFFFF"/>
+                </a:solidFill>
+              </a:ln>
+            </p:spPr>
+            <p:style>
+              <a:lnRef idx="1">
+                <a:srgbClr val="4F81BD"/>
+              </a:lnRef>
+              <a:fillRef idx="0">
+                <a:srgbClr val="4F81BD"/>
+              </a:fillRef>
+              <a:effectRef idx="0">
+                <a:srgbClr val="4F81BD"/>
+              </a:effectRef>
+              <a:fontRef idx="minor">
+                <a:srgbClr val="000000"/>
+              </a:fontRef>
+            </p:style>
+          </p:cxnSp>
+          <p:sp>
+            <p:nvSpPr>
+              <p:cNvPr id="24" name="Line"/>
+              <p:cNvSpPr/>
+              <p:nvPr/>
+            </p:nvSpPr>
+            <p:spPr>
+              <a:xfrm rot="10800000" flipV="1">
+                <a:off x="9499472" y="143255"/>
+                <a:ext cx="91440" cy="9144"/>
+              </a:xfrm>
+              <a:prstGeom prst="rect">
+                <a:avLst/>
+              </a:prstGeom>
+              <a:solidFill>
+                <a:srgbClr val="919191"/>
+              </a:solidFill>
+              <a:ln w="3175">
+                <a:solidFill>
+                  <a:srgbClr val="FFFFFF"/>
+                </a:solidFill>
+              </a:ln>
+            </p:spPr>
+            <p:style>
+              <a:lnRef idx="2">
+                <a:srgbClr val="4F81BD">
+                  <a:shade val="50000"/>
+                </a:srgbClr>
+              </a:lnRef>
+              <a:fillRef idx="1001">
+                <a:srgbClr val="000000"/>
+              </a:fillRef>
+              <a:effectRef idx="0">
+                <a:srgbClr val="4F81BD"/>
+              </a:effectRef>
+              <a:fontRef idx="minor">
+                <a:srgbClr val="000000"/>
+              </a:fontRef>
+            </p:style>
+            <p:txBody>
+              <a:bodyPr rtlCol="0" anchor="ctr"/>
+              <a:lstStyle/>
+              <a:p>
+                <a:pPr algn="ctr"/>
+                <a:endParaRPr lang="en-US" sz="1050" dirty="0">
+                  <a:solidFill>
+                    <a:prstClr val="white"/>
+                  </a:solidFill>
+                </a:endParaRPr>
+              </a:p>
+            </p:txBody>
+          </p:sp>
+          <p:sp>
+            <p:nvSpPr>
+              <p:cNvPr id="25" name="Line"/>
+              <p:cNvSpPr/>
+              <p:nvPr/>
+            </p:nvSpPr>
+            <p:spPr>
+              <a:xfrm rot="10800000" flipV="1">
+                <a:off x="9498658" y="135261"/>
+                <a:ext cx="91440" cy="72527"/>
+              </a:xfrm>
+              <a:prstGeom prst="rect">
+                <a:avLst/>
+              </a:prstGeom>
+              <a:noFill/>
+              <a:ln w="12700">
+                <a:solidFill>
+                  <a:srgbClr val="FFFFFF"/>
+                </a:solidFill>
+              </a:ln>
+            </p:spPr>
+            <p:style>
+              <a:lnRef idx="2">
+                <a:srgbClr val="4F81BD">
+                  <a:shade val="50000"/>
+                </a:srgbClr>
+              </a:lnRef>
+              <a:fillRef idx="1001">
+                <a:srgbClr val="000000"/>
+              </a:fillRef>
+              <a:effectRef idx="0">
+                <a:srgbClr val="4F81BD"/>
+              </a:effectRef>
+              <a:fontRef idx="minor">
+                <a:srgbClr val="000000"/>
+              </a:fontRef>
+            </p:style>
+            <p:txBody>
+              <a:bodyPr rtlCol="0" anchor="ctr"/>
+              <a:lstStyle/>
+              <a:p>
+                <a:pPr algn="ctr"/>
+                <a:endParaRPr lang="en-US" sz="1050" dirty="0">
+                  <a:solidFill>
+                    <a:prstClr val="white"/>
+                  </a:solidFill>
+                </a:endParaRPr>
+              </a:p>
+            </p:txBody>
+          </p:sp>
+          <p:sp>
+            <p:nvSpPr>
+              <p:cNvPr id="26" name="Line"/>
+              <p:cNvSpPr/>
+              <p:nvPr/>
+            </p:nvSpPr>
+            <p:spPr>
+              <a:xfrm rot="10800000" flipV="1">
+                <a:off x="9347642" y="200476"/>
+                <a:ext cx="91440" cy="9144"/>
+              </a:xfrm>
+              <a:prstGeom prst="rect">
+                <a:avLst/>
+              </a:prstGeom>
+              <a:solidFill>
+                <a:srgbClr val="919191"/>
+              </a:solidFill>
+              <a:ln w="3175">
+                <a:solidFill>
+                  <a:srgbClr val="FFFFFF"/>
+                </a:solidFill>
+              </a:ln>
+            </p:spPr>
+            <p:style>
+              <a:lnRef idx="2">
+                <a:srgbClr val="4F81BD">
+                  <a:shade val="50000"/>
+                </a:srgbClr>
+              </a:lnRef>
+              <a:fillRef idx="1001">
+                <a:srgbClr val="000000"/>
+              </a:fillRef>
+              <a:effectRef idx="0">
+                <a:srgbClr val="4F81BD"/>
+              </a:effectRef>
+              <a:fontRef idx="minor">
+                <a:srgbClr val="000000"/>
+              </a:fontRef>
+            </p:style>
+            <p:txBody>
+              <a:bodyPr rtlCol="0" anchor="ctr"/>
+              <a:lstStyle/>
+              <a:p>
+                <a:pPr algn="ctr"/>
+                <a:endParaRPr lang="en-US" sz="1050" dirty="0">
+                  <a:solidFill>
+                    <a:prstClr val="white"/>
+                  </a:solidFill>
+                </a:endParaRPr>
+              </a:p>
+            </p:txBody>
+          </p:sp>
+        </p:grpSp>
+        <p:sp>
+          <p:nvSpPr>
+            <p:cNvPr id="8" name="WebPageBody"/>
+            <p:cNvSpPr/>
+            <p:nvPr/>
+          </p:nvSpPr>
+          <p:spPr>
+            <a:xfrm>
+              <a:off x="76200" y="685159"/>
+              <a:ext cx="8991600" cy="6066801"/>
+            </a:xfrm>
+            <a:prstGeom prst="rect">
+              <a:avLst/>
+            </a:prstGeom>
+            <a:solidFill>
+              <a:sysClr val="window" lastClr="FFFFFF"/>
+            </a:solidFill>
+            <a:ln w="3175" cap="flat" cmpd="sng" algn="ctr">
+              <a:solidFill>
+                <a:srgbClr val="000000">
+                  <a:lumMod val="50000"/>
+                  <a:lumOff val="50000"/>
+                </a:srgbClr>
+              </a:solidFill>
+              <a:prstDash val="solid"/>
+            </a:ln>
+            <a:effectLst/>
+          </p:spPr>
+          <p:txBody>
+            <a:bodyPr rtlCol="0" anchor="ctr"/>
+            <a:lstStyle/>
+            <a:p>
+              <a:pPr algn="ctr"/>
+              <a:endParaRPr lang="en-US" sz="1050" kern="0">
+                <a:solidFill>
+                  <a:prstClr val="white"/>
+                </a:solidFill>
+                <a:latin typeface="Segoe UI"/>
+              </a:endParaRPr>
+            </a:p>
+          </p:txBody>
+        </p:sp>
+        <p:grpSp>
+          <p:nvGrpSpPr>
+            <p:cNvPr id="9" name="Group 8"/>
+            <p:cNvGrpSpPr/>
+            <p:nvPr/>
+          </p:nvGrpSpPr>
+          <p:grpSpPr>
+            <a:xfrm>
+              <a:off x="8386335" y="360579"/>
+              <a:ext cx="640645" cy="183940"/>
+              <a:chOff x="8303527" y="360579"/>
+              <a:chExt cx="640645" cy="183940"/>
+            </a:xfrm>
+          </p:grpSpPr>
+          <p:pic>
+            <p:nvPicPr>
+              <p:cNvPr id="19" name="Picture 2" descr="C:\Users\t-dantay\Documents\Placeholders\home.png"/>
+              <p:cNvPicPr>
+                <a:picLocks noChangeAspect="1" noChangeArrowheads="1"/>
+              </p:cNvPicPr>
+              <p:nvPr/>
+            </p:nvPicPr>
+            <p:blipFill>
+              <a:blip r:embed="rId12" cstate="print">
+                <a:extLst>
+                  <a:ext uri="{28A0092B-C50C-407E-A947-70E740481C1C}">
+                    <a14:useLocalDpi xmlns:a14="http://schemas.microsoft.com/office/drawing/2010/main" val="0"/>
+                  </a:ext>
+                </a:extLst>
+              </a:blip>
+              <a:srcRect/>
+              <a:stretch>
+                <a:fillRect/>
+              </a:stretch>
+            </p:blipFill>
+            <p:spPr bwMode="auto">
+              <a:xfrm>
+                <a:off x="8303527" y="361109"/>
+                <a:ext cx="185783" cy="182880"/>
+              </a:xfrm>
+              <a:prstGeom prst="rect">
+                <a:avLst/>
+              </a:prstGeom>
+              <a:noFill/>
+              <a:extLst>
+                <a:ext uri="{909E8E84-426E-40DD-AFC4-6F175D3DCCD1}">
+                  <a14:hiddenFill xmlns:a14="http://schemas.microsoft.com/office/drawing/2010/main">
+                    <a:solidFill>
+                      <a:srgbClr val="FFFFFF"/>
+                    </a:solidFill>
+                  </a14:hiddenFill>
+                </a:ext>
+              </a:extLst>
+            </p:spPr>
+          </p:pic>
+          <p:pic>
+            <p:nvPicPr>
+              <p:cNvPr id="20" name="Picture 2" descr="C:\Users\t-dantay\Documents\Placeholders\setting.png"/>
+              <p:cNvPicPr>
+                <a:picLocks noChangeAspect="1" noChangeArrowheads="1"/>
+              </p:cNvPicPr>
+              <p:nvPr/>
+            </p:nvPicPr>
+            <p:blipFill rotWithShape="1">
+              <a:blip r:embed="rId13" cstate="print">
+                <a:extLst>
+                  <a:ext uri="{28A0092B-C50C-407E-A947-70E740481C1C}">
+                    <a14:useLocalDpi xmlns:a14="http://schemas.microsoft.com/office/drawing/2010/main" val="0"/>
+                  </a:ext>
+                </a:extLst>
+              </a:blip>
+              <a:srcRect t="13480" r="35484"/>
+              <a:stretch/>
+            </p:blipFill>
+            <p:spPr bwMode="auto">
+              <a:xfrm>
+                <a:off x="8761292" y="360579"/>
+                <a:ext cx="182880" cy="183940"/>
+              </a:xfrm>
+              <a:prstGeom prst="rect">
+                <a:avLst/>
+              </a:prstGeom>
+              <a:noFill/>
+              <a:extLst>
+                <a:ext uri="{909E8E84-426E-40DD-AFC4-6F175D3DCCD1}">
+                  <a14:hiddenFill xmlns:a14="http://schemas.microsoft.com/office/drawing/2010/main">
+                    <a:solidFill>
+                      <a:srgbClr val="FFFFFF"/>
+                    </a:solidFill>
+                  </a14:hiddenFill>
+                </a:ext>
+              </a:extLst>
+            </p:spPr>
+          </p:pic>
+          <p:pic>
+            <p:nvPicPr>
+              <p:cNvPr id="21" name="Picture 2" descr="C:\Users\t-dantay\Documents\Placeholders\star.png"/>
+              <p:cNvPicPr>
+                <a:picLocks noChangeAspect="1" noChangeArrowheads="1"/>
+              </p:cNvPicPr>
+              <p:nvPr/>
+            </p:nvPicPr>
+            <p:blipFill>
+              <a:blip r:embed="rId14" cstate="print">
+                <a:extLst>
+                  <a:ext uri="{28A0092B-C50C-407E-A947-70E740481C1C}">
+                    <a14:useLocalDpi xmlns:a14="http://schemas.microsoft.com/office/drawing/2010/main" val="0"/>
+                  </a:ext>
+                </a:extLst>
+              </a:blip>
+              <a:srcRect/>
+              <a:stretch>
+                <a:fillRect/>
+              </a:stretch>
+            </p:blipFill>
+            <p:spPr bwMode="auto">
+              <a:xfrm>
+                <a:off x="8529364" y="361109"/>
+                <a:ext cx="191874" cy="182880"/>
+              </a:xfrm>
+              <a:prstGeom prst="rect">
+                <a:avLst/>
+              </a:prstGeom>
+              <a:noFill/>
+              <a:extLst>
+                <a:ext uri="{909E8E84-426E-40DD-AFC4-6F175D3DCCD1}">
+                  <a14:hiddenFill xmlns:a14="http://schemas.microsoft.com/office/drawing/2010/main">
+                    <a:solidFill>
+                      <a:srgbClr val="FFFFFF"/>
+                    </a:solidFill>
+                  </a14:hiddenFill>
+                </a:ext>
+              </a:extLst>
+            </p:spPr>
+          </p:pic>
+        </p:grpSp>
+        <p:grpSp>
+          <p:nvGrpSpPr>
+            <p:cNvPr id="10" name="Group 9"/>
+            <p:cNvGrpSpPr/>
+            <p:nvPr/>
+          </p:nvGrpSpPr>
+          <p:grpSpPr>
+            <a:xfrm>
+              <a:off x="923925" y="340846"/>
+              <a:ext cx="7142930" cy="228600"/>
+              <a:chOff x="923925" y="340846"/>
+              <a:chExt cx="7142930" cy="228600"/>
+            </a:xfrm>
+          </p:grpSpPr>
+          <p:sp>
+            <p:nvSpPr>
+              <p:cNvPr id="11" name="UrlBar"/>
+              <p:cNvSpPr/>
+              <p:nvPr/>
+            </p:nvSpPr>
+            <p:spPr>
+              <a:xfrm>
+                <a:off x="923925" y="340846"/>
+                <a:ext cx="7142930" cy="228600"/>
+              </a:xfrm>
+              <a:prstGeom prst="rect">
+                <a:avLst/>
+              </a:prstGeom>
+              <a:solidFill>
+                <a:sysClr val="window" lastClr="FFFFFF"/>
+              </a:solidFill>
+              <a:ln w="3175" cap="flat" cmpd="sng" algn="ctr">
+                <a:solidFill>
+                  <a:srgbClr val="000000">
+                    <a:lumMod val="50000"/>
+                    <a:lumOff val="50000"/>
+                  </a:srgbClr>
+                </a:solidFill>
+                <a:prstDash val="solid"/>
+              </a:ln>
+              <a:effectLst/>
+            </p:spPr>
+            <p:txBody>
+              <a:bodyPr rtlCol="0" anchor="ctr"/>
+              <a:lstStyle/>
+              <a:p>
+                <a:r>
+                  <a:rPr lang="en-US" sz="1200" kern="0" dirty="0" smtClean="0">
+                    <a:solidFill>
+                      <a:prstClr val="black">
+                        <a:lumMod val="75000"/>
+                        <a:lumOff val="25000"/>
+                      </a:prstClr>
+                    </a:solidFill>
+                    <a:latin typeface="Segoe UI"/>
+                  </a:rPr>
+                  <a:t>http://</a:t>
+                </a:r>
+                <a:r>
+                  <a:rPr lang="en-US" sz="1200" kern="0" dirty="0" smtClean="0">
+                    <a:solidFill>
+                      <a:prstClr val="black">
+                        <a:lumMod val="75000"/>
+                        <a:lumOff val="25000"/>
+                      </a:prstClr>
+                    </a:solidFill>
+                    <a:latin typeface="Segoe UI"/>
+                  </a:rPr>
+                  <a:t>www.gestock.ch/account.php</a:t>
+                </a:r>
+                <a:endParaRPr lang="en-US" sz="1200" kern="0" dirty="0">
+                  <a:solidFill>
+                    <a:prstClr val="black">
+                      <a:lumMod val="75000"/>
+                      <a:lumOff val="25000"/>
+                    </a:prstClr>
+                  </a:solidFill>
+                  <a:latin typeface="Segoe UI"/>
+                </a:endParaRPr>
+              </a:p>
+            </p:txBody>
+          </p:sp>
+          <p:grpSp>
+            <p:nvGrpSpPr>
+              <p:cNvPr id="12" name="Group 11"/>
+              <p:cNvGrpSpPr/>
+              <p:nvPr/>
+            </p:nvGrpSpPr>
+            <p:grpSpPr>
+              <a:xfrm>
+                <a:off x="7260350" y="363706"/>
+                <a:ext cx="744325" cy="182880"/>
+                <a:chOff x="7260350" y="363706"/>
+                <a:chExt cx="744325" cy="182880"/>
+              </a:xfrm>
+            </p:grpSpPr>
+            <p:pic>
+              <p:nvPicPr>
+                <p:cNvPr id="13" name="Search" descr="C:\Users\t-dantay\Documents\Placeholders\search.png"/>
+                <p:cNvPicPr>
+                  <a:picLocks noChangeAspect="1" noChangeArrowheads="1"/>
+                </p:cNvPicPr>
+                <p:nvPr/>
+              </p:nvPicPr>
+              <p:blipFill>
+                <a:blip r:embed="rId15" cstate="print">
+                  <a:extLst>
+                    <a:ext uri="{28A0092B-C50C-407E-A947-70E740481C1C}">
+                      <a14:useLocalDpi xmlns:a14="http://schemas.microsoft.com/office/drawing/2010/main" val="0"/>
+                    </a:ext>
+                  </a:extLst>
+                </a:blip>
+                <a:srcRect/>
+                <a:stretch>
+                  <a:fillRect/>
+                </a:stretch>
+              </p:blipFill>
+              <p:spPr bwMode="auto">
+                <a:xfrm flipH="1">
+                  <a:off x="7260350" y="363706"/>
+                  <a:ext cx="182880" cy="182880"/>
+                </a:xfrm>
+                <a:prstGeom prst="rect">
+                  <a:avLst/>
+                </a:prstGeom>
+                <a:noFill/>
+                <a:extLst>
+                  <a:ext uri="{909E8E84-426E-40DD-AFC4-6F175D3DCCD1}">
+                    <a14:hiddenFill xmlns:a14="http://schemas.microsoft.com/office/drawing/2010/main">
+                      <a:solidFill>
+                        <a:srgbClr val="FFFFFF"/>
+                      </a:solidFill>
+                    </a14:hiddenFill>
+                  </a:ext>
+                </a:extLst>
+              </p:spPr>
+            </p:pic>
+            <p:pic>
+              <p:nvPicPr>
+                <p:cNvPr id="14" name="Refresh" descr="C:\Users\t-dantay\Documents\First24\arrowrepeat1.png"/>
+                <p:cNvPicPr>
+                  <a:picLocks noChangeAspect="1" noChangeArrowheads="1"/>
+                </p:cNvPicPr>
+                <p:nvPr/>
+              </p:nvPicPr>
+              <p:blipFill>
+                <a:blip r:embed="rId16" cstate="print">
+                  <a:extLst>
+                    <a:ext uri="{28A0092B-C50C-407E-A947-70E740481C1C}">
+                      <a14:useLocalDpi xmlns:a14="http://schemas.microsoft.com/office/drawing/2010/main" val="0"/>
+                    </a:ext>
+                  </a:extLst>
+                </a:blip>
+                <a:srcRect/>
+                <a:stretch>
+                  <a:fillRect/>
+                </a:stretch>
+              </p:blipFill>
+              <p:spPr bwMode="auto">
+                <a:xfrm>
+                  <a:off x="7644400" y="363706"/>
+                  <a:ext cx="182880" cy="182880"/>
+                </a:xfrm>
+                <a:prstGeom prst="rect">
+                  <a:avLst/>
+                </a:prstGeom>
+                <a:noFill/>
+                <a:extLst>
+                  <a:ext uri="{909E8E84-426E-40DD-AFC4-6F175D3DCCD1}">
+                    <a14:hiddenFill xmlns:a14="http://schemas.microsoft.com/office/drawing/2010/main">
+                      <a:solidFill>
+                        <a:srgbClr val="FFFFFF"/>
+                      </a:solidFill>
+                    </a14:hiddenFill>
+                  </a:ext>
+                </a:extLst>
+              </p:spPr>
+            </p:pic>
+            <p:pic>
+              <p:nvPicPr>
+                <p:cNvPr id="15" name="Drop Down" descr="C:\Users\t-dantay\Documents\First24\arrowsimple1.png"/>
+                <p:cNvPicPr>
+                  <a:picLocks noChangeAspect="1" noChangeArrowheads="1"/>
+                </p:cNvPicPr>
+                <p:nvPr/>
+              </p:nvPicPr>
+              <p:blipFill>
+                <a:blip r:embed="rId17" cstate="print">
+                  <a:extLst>
+                    <a:ext uri="{28A0092B-C50C-407E-A947-70E740481C1C}">
+                      <a14:useLocalDpi xmlns:a14="http://schemas.microsoft.com/office/drawing/2010/main" val="0"/>
+                    </a:ext>
+                  </a:extLst>
+                </a:blip>
+                <a:srcRect/>
+                <a:stretch>
+                  <a:fillRect/>
+                </a:stretch>
+              </p:blipFill>
+              <p:spPr bwMode="auto">
+                <a:xfrm rot="5400000">
+                  <a:off x="7476150" y="409426"/>
+                  <a:ext cx="91440" cy="91440"/>
+                </a:xfrm>
+                <a:prstGeom prst="rect">
+                  <a:avLst/>
+                </a:prstGeom>
+                <a:noFill/>
+                <a:extLst>
+                  <a:ext uri="{909E8E84-426E-40DD-AFC4-6F175D3DCCD1}">
+                    <a14:hiddenFill xmlns:a14="http://schemas.microsoft.com/office/drawing/2010/main">
+                      <a:solidFill>
+                        <a:srgbClr val="FFFFFF"/>
+                      </a:solidFill>
+                    </a14:hiddenFill>
+                  </a:ext>
+                </a:extLst>
+              </p:spPr>
+            </p:pic>
+            <p:grpSp>
+              <p:nvGrpSpPr>
+                <p:cNvPr id="16" name="X"/>
+                <p:cNvGrpSpPr/>
+                <p:nvPr/>
+              </p:nvGrpSpPr>
+              <p:grpSpPr>
+                <a:xfrm>
+                  <a:off x="7913235" y="409426"/>
+                  <a:ext cx="91440" cy="91440"/>
+                  <a:chOff x="4687215" y="1739180"/>
+                  <a:chExt cx="91440" cy="91440"/>
+                </a:xfrm>
+              </p:grpSpPr>
+              <p:cxnSp>
+                <p:nvCxnSpPr>
+                  <p:cNvPr id="17" name="Straight Connector 16"/>
+                  <p:cNvCxnSpPr/>
+                  <p:nvPr/>
+                </p:nvCxnSpPr>
+                <p:spPr>
+                  <a:xfrm flipV="1">
+                    <a:off x="4687215" y="1739180"/>
+                    <a:ext cx="91440" cy="91440"/>
+                  </a:xfrm>
+                  <a:prstGeom prst="line">
+                    <a:avLst/>
+                  </a:prstGeom>
+                  <a:ln w="28575">
+                    <a:solidFill>
+                      <a:srgbClr val="FFFFFF">
+                        <a:lumMod val="50000"/>
+                      </a:srgbClr>
+                    </a:solidFill>
+                  </a:ln>
+                </p:spPr>
+                <p:style>
+                  <a:lnRef idx="1">
+                    <a:srgbClr val="FFFFFF"/>
+                  </a:lnRef>
+                  <a:fillRef idx="0">
+                    <a:srgbClr val="FFFFFF"/>
+                  </a:fillRef>
+                  <a:effectRef idx="0">
+                    <a:srgbClr val="FFFFFF"/>
+                  </a:effectRef>
+                  <a:fontRef idx="minor">
+                    <a:srgbClr val="000000"/>
+                  </a:fontRef>
+                </p:style>
+              </p:cxnSp>
+              <p:cxnSp>
+                <p:nvCxnSpPr>
+                  <p:cNvPr id="18" name="Straight Connector 17"/>
+                  <p:cNvCxnSpPr/>
+                  <p:nvPr/>
+                </p:nvCxnSpPr>
+                <p:spPr>
+                  <a:xfrm>
+                    <a:off x="4687215" y="1739180"/>
+                    <a:ext cx="91440" cy="91440"/>
+                  </a:xfrm>
+                  <a:prstGeom prst="line">
+                    <a:avLst/>
+                  </a:prstGeom>
+                  <a:ln w="28575">
+                    <a:solidFill>
+                      <a:srgbClr val="FFFFFF">
+                        <a:lumMod val="50000"/>
+                      </a:srgbClr>
+                    </a:solidFill>
+                  </a:ln>
+                </p:spPr>
+                <p:style>
+                  <a:lnRef idx="1">
+                    <a:srgbClr val="FFFFFF"/>
+                  </a:lnRef>
+                  <a:fillRef idx="0">
+                    <a:srgbClr val="FFFFFF"/>
+                  </a:fillRef>
+                  <a:effectRef idx="0">
+                    <a:srgbClr val="FFFFFF"/>
+                  </a:effectRef>
+                  <a:fontRef idx="minor">
+                    <a:srgbClr val="000000"/>
+                  </a:fontRef>
+                </p:style>
+              </p:cxnSp>
+            </p:grpSp>
+          </p:grpSp>
+        </p:grpSp>
+      </p:grpSp>
+      <p:sp>
+        <p:nvSpPr>
+          <p:cNvPr id="31" name="Content"/>
+          <p:cNvSpPr txBox="1"/>
+          <p:nvPr>
+            <p:custDataLst>
+              <p:custData r:id="rId2"/>
+            </p:custDataLst>
+          </p:nvPr>
+        </p:nvSpPr>
+        <p:spPr>
+          <a:xfrm>
+            <a:off x="827584" y="833329"/>
+            <a:ext cx="1625766" cy="538609"/>
+          </a:xfrm>
+          <a:prstGeom prst="rect">
+            <a:avLst/>
+          </a:prstGeom>
+          <a:noFill/>
+        </p:spPr>
+        <p:txBody>
+          <a:bodyPr wrap="none" lIns="91440" tIns="18288" rIns="91440" bIns="27432" rtlCol="0" anchor="ctr" anchorCtr="0">
+            <a:spAutoFit/>
+          </a:bodyPr>
+          <a:lstStyle/>
+          <a:p>
+            <a:r>
+              <a:rPr lang="en-US" sz="3200" dirty="0" err="1" smtClean="0">
+                <a:solidFill>
+                  <a:srgbClr val="000000"/>
+                </a:solidFill>
+                <a:latin typeface="Segoe UI" pitchFamily="34" charset="0"/>
+                <a:ea typeface="Segoe UI" pitchFamily="34" charset="0"/>
+                <a:cs typeface="Segoe UI" pitchFamily="34" charset="0"/>
+              </a:rPr>
+              <a:t>Gestock</a:t>
+            </a:r>
+            <a:endParaRPr lang="en-US" sz="1200" dirty="0" smtClean="0">
+              <a:solidFill>
+                <a:srgbClr val="000000"/>
+              </a:solidFill>
+              <a:latin typeface="Segoe UI" pitchFamily="34" charset="0"/>
+              <a:ea typeface="Segoe UI" pitchFamily="34" charset="0"/>
+              <a:cs typeface="Segoe UI" pitchFamily="34" charset="0"/>
+            </a:endParaRPr>
+          </a:p>
+        </p:txBody>
+      </p:sp>
+      <p:sp>
+        <p:nvSpPr>
+          <p:cNvPr id="32" name="Content"/>
+          <p:cNvSpPr txBox="1"/>
+          <p:nvPr>
+            <p:custDataLst>
+              <p:custData r:id="rId3"/>
+            </p:custDataLst>
+          </p:nvPr>
+        </p:nvSpPr>
+        <p:spPr>
+          <a:xfrm>
+            <a:off x="3520475" y="1102633"/>
+            <a:ext cx="740908" cy="230832"/>
+          </a:xfrm>
+          <a:prstGeom prst="rect">
+            <a:avLst/>
+          </a:prstGeom>
+          <a:noFill/>
+        </p:spPr>
+        <p:txBody>
+          <a:bodyPr wrap="none" lIns="91440" tIns="18288" rIns="91440" bIns="27432" rtlCol="0" anchor="ctr" anchorCtr="0">
+            <a:spAutoFit/>
+          </a:bodyPr>
+          <a:lstStyle/>
+          <a:p>
+            <a:r>
+              <a:rPr lang="en-US" sz="1200" dirty="0" smtClean="0">
+                <a:solidFill>
+                  <a:srgbClr val="000000"/>
+                </a:solidFill>
+                <a:latin typeface="Segoe UI" pitchFamily="34" charset="0"/>
+                <a:ea typeface="Segoe UI" pitchFamily="34" charset="0"/>
+                <a:cs typeface="Segoe UI" pitchFamily="34" charset="0"/>
+              </a:rPr>
+              <a:t>Account</a:t>
+            </a:r>
+          </a:p>
+        </p:txBody>
+      </p:sp>
+      <p:sp>
+        <p:nvSpPr>
+          <p:cNvPr id="33" name="Content"/>
+          <p:cNvSpPr txBox="1"/>
+          <p:nvPr>
+            <p:custDataLst>
+              <p:custData r:id="rId4"/>
+            </p:custDataLst>
+          </p:nvPr>
+        </p:nvSpPr>
+        <p:spPr>
+          <a:xfrm>
+            <a:off x="4261383" y="1102633"/>
+            <a:ext cx="468013" cy="230832"/>
+          </a:xfrm>
+          <a:prstGeom prst="rect">
+            <a:avLst/>
+          </a:prstGeom>
+          <a:noFill/>
+        </p:spPr>
+        <p:txBody>
+          <a:bodyPr wrap="none" lIns="91440" tIns="18288" rIns="91440" bIns="27432" rtlCol="0" anchor="ctr" anchorCtr="0">
+            <a:spAutoFit/>
+          </a:bodyPr>
+          <a:lstStyle/>
+          <a:p>
+            <a:r>
+              <a:rPr lang="en-US" sz="1200" dirty="0" smtClean="0">
+                <a:solidFill>
+                  <a:srgbClr val="000000"/>
+                </a:solidFill>
+                <a:latin typeface="Segoe UI" pitchFamily="34" charset="0"/>
+                <a:ea typeface="Segoe UI" pitchFamily="34" charset="0"/>
+                <a:cs typeface="Segoe UI" pitchFamily="34" charset="0"/>
+              </a:rPr>
+              <a:t>Cart</a:t>
+            </a:r>
+          </a:p>
+        </p:txBody>
+      </p:sp>
+      <p:sp>
+        <p:nvSpPr>
+          <p:cNvPr id="34" name="Content"/>
+          <p:cNvSpPr txBox="1"/>
+          <p:nvPr>
+            <p:custDataLst>
+              <p:custData r:id="rId5"/>
+            </p:custDataLst>
+          </p:nvPr>
+        </p:nvSpPr>
+        <p:spPr>
+          <a:xfrm>
+            <a:off x="4729396" y="1098842"/>
+            <a:ext cx="561372" cy="230832"/>
+          </a:xfrm>
+          <a:prstGeom prst="rect">
+            <a:avLst/>
+          </a:prstGeom>
+          <a:noFill/>
+        </p:spPr>
+        <p:txBody>
+          <a:bodyPr wrap="none" lIns="91440" tIns="18288" rIns="91440" bIns="27432" rtlCol="0" anchor="ctr" anchorCtr="0">
+            <a:spAutoFit/>
+          </a:bodyPr>
+          <a:lstStyle/>
+          <a:p>
+            <a:r>
+              <a:rPr lang="en-US" sz="1200" dirty="0" smtClean="0">
+                <a:solidFill>
+                  <a:srgbClr val="000000"/>
+                </a:solidFill>
+                <a:latin typeface="Segoe UI" pitchFamily="34" charset="0"/>
+                <a:ea typeface="Segoe UI" pitchFamily="34" charset="0"/>
+                <a:cs typeface="Segoe UI" pitchFamily="34" charset="0"/>
+              </a:rPr>
+              <a:t>Login</a:t>
+            </a:r>
+          </a:p>
+        </p:txBody>
+      </p:sp>
+      <p:sp>
+        <p:nvSpPr>
+          <p:cNvPr id="35" name="Content"/>
+          <p:cNvSpPr/>
+          <p:nvPr>
+            <p:custDataLst>
+              <p:custData r:id="rId6"/>
+            </p:custDataLst>
+          </p:nvPr>
+        </p:nvSpPr>
+        <p:spPr>
+          <a:xfrm>
+            <a:off x="7043477" y="1056132"/>
+            <a:ext cx="1220102" cy="228600"/>
+          </a:xfrm>
+          <a:prstGeom prst="rect">
+            <a:avLst/>
+          </a:prstGeom>
+          <a:solidFill>
+            <a:sysClr val="window" lastClr="FFFFFF"/>
+          </a:solidFill>
+          <a:ln w="12700">
+            <a:solidFill>
+              <a:schemeClr val="bg1">
+                <a:lumMod val="50000"/>
+              </a:schemeClr>
+            </a:solidFill>
+          </a:ln>
+          <a:effectLst>
+            <a:softEdge rad="0"/>
+          </a:effectLst>
+        </p:spPr>
+        <p:style>
+          <a:lnRef idx="2">
+            <a:srgbClr val="4F81BD">
+              <a:shade val="50000"/>
+            </a:srgbClr>
+          </a:lnRef>
+          <a:fillRef idx="1">
+            <a:srgbClr val="4F81BD"/>
+          </a:fillRef>
+          <a:effectRef idx="0">
+            <a:srgbClr val="4F81BD"/>
+          </a:effectRef>
+          <a:fontRef idx="minor">
+            <a:srgbClr val="000000"/>
+          </a:fontRef>
+        </p:style>
+        <p:txBody>
+          <a:bodyPr wrap="none" lIns="45720" tIns="18288" rIns="45720" bIns="18288" rtlCol="0" anchor="ctr">
+            <a:noAutofit/>
+          </a:bodyPr>
+          <a:lstStyle/>
+          <a:p>
+            <a:r>
+              <a:rPr lang="en-US" sz="800" dirty="0" smtClean="0">
+                <a:solidFill>
+                  <a:srgbClr val="000000"/>
+                </a:solidFill>
+                <a:latin typeface="Segoe UI" pitchFamily="34" charset="0"/>
+                <a:cs typeface="Segoe UI" pitchFamily="34" charset="0"/>
+              </a:rPr>
+              <a:t>Search…</a:t>
+            </a:r>
+            <a:endParaRPr lang="en-US" sz="1200" dirty="0">
+              <a:solidFill>
+                <a:srgbClr val="000000"/>
+              </a:solidFill>
+              <a:latin typeface="Segoe UI" pitchFamily="34" charset="0"/>
+              <a:cs typeface="Segoe UI" pitchFamily="34" charset="0"/>
+            </a:endParaRPr>
+          </a:p>
+        </p:txBody>
+      </p:sp>
+      <p:sp useBgFill="1">
+        <p:nvSpPr>
+          <p:cNvPr id="37" name="Container"/>
+          <p:cNvSpPr/>
+          <p:nvPr/>
+        </p:nvSpPr>
+        <p:spPr>
+          <a:xfrm>
+            <a:off x="923925" y="1753441"/>
+            <a:ext cx="7339654" cy="955480"/>
+          </a:xfrm>
+          <a:prstGeom prst="roundRect">
+            <a:avLst>
+              <a:gd name="adj" fmla="val 4524"/>
+            </a:avLst>
+          </a:prstGeom>
+          <a:ln w="3175" cap="flat" cmpd="sng" algn="ctr">
+            <a:solidFill>
+              <a:srgbClr val="FFFFFF">
+                <a:lumMod val="65000"/>
+              </a:srgbClr>
+            </a:solidFill>
+            <a:prstDash val="solid"/>
+          </a:ln>
+          <a:effectLst/>
+        </p:spPr>
+        <p:txBody>
+          <a:bodyPr rot="0" spcFirstLastPara="0" vertOverflow="overflow" horzOverflow="overflow" vert="horz" wrap="square" lIns="45720" tIns="45720" rIns="91440" bIns="45720" numCol="1" spcCol="0" rtlCol="0" fromWordArt="0" anchor="ctr" anchorCtr="0" forceAA="0" compatLnSpc="1">
+            <a:prstTxWarp prst="textNoShape">
+              <a:avLst/>
+            </a:prstTxWarp>
+            <a:noAutofit/>
+          </a:bodyPr>
+          <a:lstStyle/>
+          <a:p>
+            <a:pPr marL="0" marR="0" indent="0" algn="ctr" defTabSz="914400" eaLnBrk="1" fontAlgn="auto" latinLnBrk="0" hangingPunct="1">
+              <a:lnSpc>
+                <a:spcPct val="100000"/>
+              </a:lnSpc>
+              <a:spcBef>
+                <a:spcPts val="0"/>
+              </a:spcBef>
+              <a:spcAft>
+                <a:spcPts val="0"/>
+              </a:spcAft>
+              <a:buClrTx/>
+              <a:buSzTx/>
+              <a:buFontTx/>
+              <a:buNone/>
+              <a:tabLst/>
+            </a:pPr>
+            <a:endParaRPr kumimoji="0" lang="en-US" sz="800" b="0" i="0" u="none" strike="noStrike" kern="0" cap="none" spc="0" normalizeH="0" baseline="0" noProof="0" dirty="0" smtClean="0">
+              <a:ln>
+                <a:noFill/>
+              </a:ln>
+              <a:solidFill>
+                <a:srgbClr val="000000">
+                  <a:lumMod val="75000"/>
+                  <a:lumOff val="25000"/>
+                </a:srgbClr>
+              </a:solidFill>
+              <a:effectLst/>
+              <a:uLnTx/>
+              <a:uFillTx/>
+              <a:latin typeface="Segoe UI"/>
+              <a:ea typeface="+mn-ea"/>
+              <a:cs typeface="+mn-cs"/>
+            </a:endParaRPr>
+          </a:p>
+        </p:txBody>
+      </p:sp>
+      <p:sp useBgFill="1">
+        <p:nvSpPr>
+          <p:cNvPr id="39" name="Container"/>
+          <p:cNvSpPr/>
+          <p:nvPr/>
+        </p:nvSpPr>
+        <p:spPr>
+          <a:xfrm>
+            <a:off x="923925" y="2951260"/>
+            <a:ext cx="2855987" cy="955480"/>
+          </a:xfrm>
+          <a:prstGeom prst="roundRect">
+            <a:avLst>
+              <a:gd name="adj" fmla="val 4524"/>
+            </a:avLst>
+          </a:prstGeom>
+          <a:ln w="3175" cap="flat" cmpd="sng" algn="ctr">
+            <a:solidFill>
+              <a:srgbClr val="FFFFFF">
+                <a:lumMod val="65000"/>
+              </a:srgbClr>
+            </a:solidFill>
+            <a:prstDash val="solid"/>
+          </a:ln>
+          <a:effectLst/>
+        </p:spPr>
+        <p:txBody>
+          <a:bodyPr rot="0" spcFirstLastPara="0" vertOverflow="overflow" horzOverflow="overflow" vert="horz" wrap="square" lIns="45720" tIns="45720" rIns="91440" bIns="45720" numCol="1" spcCol="0" rtlCol="0" fromWordArt="0" anchor="ctr" anchorCtr="0" forceAA="0" compatLnSpc="1">
+            <a:prstTxWarp prst="textNoShape">
+              <a:avLst/>
+            </a:prstTxWarp>
+            <a:noAutofit/>
+          </a:bodyPr>
+          <a:lstStyle/>
+          <a:p>
+            <a:pPr marL="0" marR="0" indent="0" algn="ctr" defTabSz="914400" eaLnBrk="1" fontAlgn="auto" latinLnBrk="0" hangingPunct="1">
+              <a:lnSpc>
+                <a:spcPct val="100000"/>
+              </a:lnSpc>
+              <a:spcBef>
+                <a:spcPts val="0"/>
+              </a:spcBef>
+              <a:spcAft>
+                <a:spcPts val="0"/>
+              </a:spcAft>
+              <a:buClrTx/>
+              <a:buSzTx/>
+              <a:buFontTx/>
+              <a:buNone/>
+              <a:tabLst/>
+            </a:pPr>
+            <a:endParaRPr kumimoji="0" lang="en-US" sz="800" b="0" i="0" u="none" strike="noStrike" kern="0" cap="none" spc="0" normalizeH="0" baseline="0" noProof="0" dirty="0" smtClean="0">
+              <a:ln>
+                <a:noFill/>
+              </a:ln>
+              <a:solidFill>
+                <a:srgbClr val="000000">
+                  <a:lumMod val="75000"/>
+                  <a:lumOff val="25000"/>
+                </a:srgbClr>
+              </a:solidFill>
+              <a:effectLst/>
+              <a:uLnTx/>
+              <a:uFillTx/>
+              <a:latin typeface="Segoe UI"/>
+              <a:ea typeface="+mn-ea"/>
+              <a:cs typeface="+mn-cs"/>
+            </a:endParaRPr>
+          </a:p>
+        </p:txBody>
+      </p:sp>
+      <p:sp useBgFill="1">
+        <p:nvSpPr>
+          <p:cNvPr id="40" name="Container"/>
+          <p:cNvSpPr/>
+          <p:nvPr/>
+        </p:nvSpPr>
+        <p:spPr>
+          <a:xfrm>
+            <a:off x="5407592" y="2951260"/>
+            <a:ext cx="2855987" cy="955480"/>
+          </a:xfrm>
+          <a:prstGeom prst="roundRect">
+            <a:avLst>
+              <a:gd name="adj" fmla="val 4524"/>
+            </a:avLst>
+          </a:prstGeom>
+          <a:ln w="3175" cap="flat" cmpd="sng" algn="ctr">
+            <a:solidFill>
+              <a:srgbClr val="FFFFFF">
+                <a:lumMod val="65000"/>
+              </a:srgbClr>
+            </a:solidFill>
+            <a:prstDash val="solid"/>
+          </a:ln>
+          <a:effectLst/>
+        </p:spPr>
+        <p:txBody>
+          <a:bodyPr rot="0" spcFirstLastPara="0" vertOverflow="overflow" horzOverflow="overflow" vert="horz" wrap="square" lIns="45720" tIns="45720" rIns="91440" bIns="45720" numCol="1" spcCol="0" rtlCol="0" fromWordArt="0" anchor="ctr" anchorCtr="0" forceAA="0" compatLnSpc="1">
+            <a:prstTxWarp prst="textNoShape">
+              <a:avLst/>
+            </a:prstTxWarp>
+            <a:noAutofit/>
+          </a:bodyPr>
+          <a:lstStyle/>
+          <a:p>
+            <a:pPr marL="0" marR="0" indent="0" algn="ctr" defTabSz="914400" eaLnBrk="1" fontAlgn="auto" latinLnBrk="0" hangingPunct="1">
+              <a:lnSpc>
+                <a:spcPct val="100000"/>
+              </a:lnSpc>
+              <a:spcBef>
+                <a:spcPts val="0"/>
+              </a:spcBef>
+              <a:spcAft>
+                <a:spcPts val="0"/>
+              </a:spcAft>
+              <a:buClrTx/>
+              <a:buSzTx/>
+              <a:buFontTx/>
+              <a:buNone/>
+              <a:tabLst/>
+            </a:pPr>
+            <a:endParaRPr kumimoji="0" lang="en-US" sz="800" b="0" i="0" u="none" strike="noStrike" kern="0" cap="none" spc="0" normalizeH="0" baseline="0" noProof="0" dirty="0" smtClean="0">
+              <a:ln>
+                <a:noFill/>
+              </a:ln>
+              <a:solidFill>
+                <a:srgbClr val="000000">
+                  <a:lumMod val="75000"/>
+                  <a:lumOff val="25000"/>
+                </a:srgbClr>
+              </a:solidFill>
+              <a:effectLst/>
+              <a:uLnTx/>
+              <a:uFillTx/>
+              <a:latin typeface="Segoe UI"/>
+              <a:ea typeface="+mn-ea"/>
+              <a:cs typeface="+mn-cs"/>
+            </a:endParaRPr>
+          </a:p>
+        </p:txBody>
+      </p:sp>
+      <p:sp useBgFill="1">
+        <p:nvSpPr>
+          <p:cNvPr id="41" name="Container"/>
+          <p:cNvSpPr/>
+          <p:nvPr/>
+        </p:nvSpPr>
+        <p:spPr>
+          <a:xfrm>
+            <a:off x="919232" y="4259142"/>
+            <a:ext cx="7339654" cy="955480"/>
+          </a:xfrm>
+          <a:prstGeom prst="roundRect">
+            <a:avLst>
+              <a:gd name="adj" fmla="val 4524"/>
+            </a:avLst>
+          </a:prstGeom>
+          <a:ln w="3175" cap="flat" cmpd="sng" algn="ctr">
+            <a:solidFill>
+              <a:srgbClr val="FFFFFF">
+                <a:lumMod val="65000"/>
+              </a:srgbClr>
+            </a:solidFill>
+            <a:prstDash val="solid"/>
+          </a:ln>
+          <a:effectLst/>
+        </p:spPr>
+        <p:txBody>
+          <a:bodyPr rot="0" spcFirstLastPara="0" vertOverflow="overflow" horzOverflow="overflow" vert="horz" wrap="square" lIns="45720" tIns="45720" rIns="91440" bIns="45720" numCol="1" spcCol="0" rtlCol="0" fromWordArt="0" anchor="ctr" anchorCtr="0" forceAA="0" compatLnSpc="1">
+            <a:prstTxWarp prst="textNoShape">
+              <a:avLst/>
+            </a:prstTxWarp>
+            <a:noAutofit/>
+          </a:bodyPr>
+          <a:lstStyle/>
+          <a:p>
+            <a:pPr marL="0" marR="0" indent="0" algn="ctr" defTabSz="914400" eaLnBrk="1" fontAlgn="auto" latinLnBrk="0" hangingPunct="1">
+              <a:lnSpc>
+                <a:spcPct val="100000"/>
+              </a:lnSpc>
+              <a:spcBef>
+                <a:spcPts val="0"/>
+              </a:spcBef>
+              <a:spcAft>
+                <a:spcPts val="0"/>
+              </a:spcAft>
+              <a:buClrTx/>
+              <a:buSzTx/>
+              <a:buFontTx/>
+              <a:buNone/>
+              <a:tabLst/>
+            </a:pPr>
+            <a:endParaRPr kumimoji="0" lang="en-US" sz="800" b="0" i="0" u="none" strike="noStrike" kern="0" cap="none" spc="0" normalizeH="0" baseline="0" noProof="0" dirty="0" smtClean="0">
+              <a:ln>
+                <a:noFill/>
+              </a:ln>
+              <a:solidFill>
+                <a:srgbClr val="000000">
+                  <a:lumMod val="75000"/>
+                  <a:lumOff val="25000"/>
+                </a:srgbClr>
+              </a:solidFill>
+              <a:effectLst/>
+              <a:uLnTx/>
+              <a:uFillTx/>
+              <a:latin typeface="Segoe UI"/>
+              <a:ea typeface="+mn-ea"/>
+              <a:cs typeface="+mn-cs"/>
+            </a:endParaRPr>
+          </a:p>
+        </p:txBody>
+      </p:sp>
+      <p:sp>
+        <p:nvSpPr>
+          <p:cNvPr id="42" name="Content"/>
+          <p:cNvSpPr txBox="1"/>
+          <p:nvPr>
+            <p:custDataLst>
+              <p:custData r:id="rId7"/>
+            </p:custDataLst>
+          </p:nvPr>
+        </p:nvSpPr>
+        <p:spPr>
+          <a:xfrm>
+            <a:off x="3431475" y="2023432"/>
+            <a:ext cx="2127827" cy="415498"/>
+          </a:xfrm>
+          <a:prstGeom prst="rect">
+            <a:avLst/>
+          </a:prstGeom>
+          <a:noFill/>
+        </p:spPr>
+        <p:txBody>
+          <a:bodyPr wrap="none" lIns="91440" tIns="18288" rIns="91440" bIns="27432" rtlCol="0" anchor="ctr" anchorCtr="0">
+            <a:spAutoFit/>
+          </a:bodyPr>
+          <a:lstStyle/>
+          <a:p>
+            <a:r>
+              <a:rPr lang="en-US" sz="2400" dirty="0" err="1" smtClean="0">
+                <a:solidFill>
+                  <a:srgbClr val="000000"/>
+                </a:solidFill>
+                <a:latin typeface="Segoe UI" pitchFamily="34" charset="0"/>
+                <a:ea typeface="Segoe UI" pitchFamily="34" charset="0"/>
+                <a:cs typeface="Segoe UI" pitchFamily="34" charset="0"/>
+              </a:rPr>
+              <a:t>Personnal</a:t>
+            </a:r>
+            <a:r>
+              <a:rPr lang="en-US" sz="2400" dirty="0" smtClean="0">
+                <a:solidFill>
+                  <a:srgbClr val="000000"/>
+                </a:solidFill>
+                <a:latin typeface="Segoe UI" pitchFamily="34" charset="0"/>
+                <a:ea typeface="Segoe UI" pitchFamily="34" charset="0"/>
+                <a:cs typeface="Segoe UI" pitchFamily="34" charset="0"/>
+              </a:rPr>
+              <a:t> Info</a:t>
+            </a:r>
+          </a:p>
+        </p:txBody>
+      </p:sp>
+      <p:sp>
+        <p:nvSpPr>
+          <p:cNvPr id="43" name="Content"/>
+          <p:cNvSpPr txBox="1"/>
+          <p:nvPr>
+            <p:custDataLst>
+              <p:custData r:id="rId8"/>
+            </p:custDataLst>
+          </p:nvPr>
+        </p:nvSpPr>
+        <p:spPr>
+          <a:xfrm>
+            <a:off x="1407588" y="3221251"/>
+            <a:ext cx="1888659" cy="415498"/>
+          </a:xfrm>
+          <a:prstGeom prst="rect">
+            <a:avLst/>
+          </a:prstGeom>
+          <a:noFill/>
+        </p:spPr>
+        <p:txBody>
+          <a:bodyPr wrap="none" lIns="91440" tIns="18288" rIns="91440" bIns="27432" rtlCol="0" anchor="ctr" anchorCtr="0">
+            <a:spAutoFit/>
+          </a:bodyPr>
+          <a:lstStyle/>
+          <a:p>
+            <a:r>
+              <a:rPr lang="en-US" sz="2400" dirty="0" smtClean="0">
+                <a:solidFill>
+                  <a:srgbClr val="000000"/>
+                </a:solidFill>
+                <a:latin typeface="Segoe UI" pitchFamily="34" charset="0"/>
+                <a:ea typeface="Segoe UI" pitchFamily="34" charset="0"/>
+                <a:cs typeface="Segoe UI" pitchFamily="34" charset="0"/>
+              </a:rPr>
+              <a:t>Cart preview</a:t>
+            </a:r>
+          </a:p>
+        </p:txBody>
+      </p:sp>
+      <p:sp>
+        <p:nvSpPr>
+          <p:cNvPr id="44" name="Content"/>
+          <p:cNvSpPr txBox="1"/>
+          <p:nvPr>
+            <p:custDataLst>
+              <p:custData r:id="rId9"/>
+            </p:custDataLst>
+          </p:nvPr>
+        </p:nvSpPr>
+        <p:spPr>
+          <a:xfrm>
+            <a:off x="5695465" y="3218305"/>
+            <a:ext cx="2280240" cy="415498"/>
+          </a:xfrm>
+          <a:prstGeom prst="rect">
+            <a:avLst/>
+          </a:prstGeom>
+          <a:noFill/>
+        </p:spPr>
+        <p:txBody>
+          <a:bodyPr wrap="none" lIns="91440" tIns="18288" rIns="91440" bIns="27432" rtlCol="0" anchor="ctr" anchorCtr="0">
+            <a:spAutoFit/>
+          </a:bodyPr>
+          <a:lstStyle/>
+          <a:p>
+            <a:r>
+              <a:rPr lang="en-US" sz="2400" dirty="0" smtClean="0">
+                <a:solidFill>
+                  <a:srgbClr val="000000"/>
+                </a:solidFill>
+                <a:latin typeface="Segoe UI" pitchFamily="34" charset="0"/>
+                <a:ea typeface="Segoe UI" pitchFamily="34" charset="0"/>
+                <a:cs typeface="Segoe UI" pitchFamily="34" charset="0"/>
+              </a:rPr>
+              <a:t>Previous orders</a:t>
+            </a:r>
+          </a:p>
+        </p:txBody>
+      </p:sp>
+      <p:sp>
+        <p:nvSpPr>
+          <p:cNvPr id="45" name="Content"/>
+          <p:cNvSpPr txBox="1"/>
+          <p:nvPr>
+            <p:custDataLst>
+              <p:custData r:id="rId10"/>
+            </p:custDataLst>
+          </p:nvPr>
+        </p:nvSpPr>
+        <p:spPr>
+          <a:xfrm>
+            <a:off x="3401178" y="4529133"/>
+            <a:ext cx="2188420" cy="415498"/>
+          </a:xfrm>
+          <a:prstGeom prst="rect">
+            <a:avLst/>
+          </a:prstGeom>
+          <a:noFill/>
+        </p:spPr>
+        <p:txBody>
+          <a:bodyPr wrap="none" lIns="91440" tIns="18288" rIns="91440" bIns="27432" rtlCol="0" anchor="ctr" anchorCtr="0">
+            <a:spAutoFit/>
+          </a:bodyPr>
+          <a:lstStyle/>
+          <a:p>
+            <a:r>
+              <a:rPr lang="en-US" sz="2400" dirty="0" smtClean="0">
+                <a:solidFill>
+                  <a:srgbClr val="000000"/>
+                </a:solidFill>
+                <a:latin typeface="Segoe UI" pitchFamily="34" charset="0"/>
+                <a:ea typeface="Segoe UI" pitchFamily="34" charset="0"/>
+                <a:cs typeface="Segoe UI" pitchFamily="34" charset="0"/>
+              </a:rPr>
+              <a:t>Administration</a:t>
+            </a:r>
+          </a:p>
+        </p:txBody>
+      </p:sp>
+    </p:spTree>
+    <p:extLst>
+      <p:ext uri="{BB962C8B-B14F-4D97-AF65-F5344CB8AC3E}">
+        <p14:creationId xmlns:p14="http://schemas.microsoft.com/office/powerpoint/2010/main" val="1923639446"/>
       </p:ext>
     </p:extLst>
   </p:cSld>
@@ -13196,7 +15007,7 @@
 
 <file path=customXml/item1.xml><?xml version="1.0" encoding="utf-8"?>
 <Control xmlns="http://schemas.microsoft.com/VisualStudio/2011/storyboarding/control">
-  <Id Name="System.Storyboarding.Common.Text" Revision="1" Stencil="System.Storyboarding.Common" StencilVersion="0.1"/>
+  <Id Name="System.Storyboarding.Common.TextInput" Revision="1" Stencil="System.Storyboarding.Common" StencilVersion="0.1"/>
 </Control>
 </file>
 
@@ -13206,6 +15017,36 @@
 </Control>
 </file>
 
+<file path=customXml/item100.xml><?xml version="1.0" encoding="utf-8"?>
+<Control xmlns="http://schemas.microsoft.com/VisualStudio/2011/storyboarding/control">
+  <Id Name="System.Storyboarding.Common.Text" Revision="1" Stencil="System.Storyboarding.Common" StencilVersion="0.1"/>
+</Control>
+</file>
+
+<file path=customXml/item101.xml><?xml version="1.0" encoding="utf-8"?>
+<Control xmlns="http://schemas.microsoft.com/VisualStudio/2011/storyboarding/control">
+  <Id Name="System.Storyboarding.Common.Text" Revision="1" Stencil="System.Storyboarding.Common" StencilVersion="0.1"/>
+</Control>
+</file>
+
+<file path=customXml/item102.xml><?xml version="1.0" encoding="utf-8"?>
+<Control xmlns="http://schemas.microsoft.com/VisualStudio/2011/storyboarding/control">
+  <Id Name="System.Storyboarding.Common.TextInput" Revision="1" Stencil="System.Storyboarding.Common" StencilVersion="0.1"/>
+</Control>
+</file>
+
+<file path=customXml/item103.xml><?xml version="1.0" encoding="utf-8"?>
+<Control xmlns="http://schemas.microsoft.com/VisualStudio/2011/storyboarding/control">
+  <Id Name="System.Storyboarding.Common.Text" Revision="1" Stencil="System.Storyboarding.Common" StencilVersion="0.1"/>
+</Control>
+</file>
+
+<file path=customXml/item104.xml><?xml version="1.0" encoding="utf-8"?>
+<Control xmlns="http://schemas.microsoft.com/VisualStudio/2011/storyboarding/control">
+  <Id Name="System.Storyboarding.Common.Text" Revision="1" Stencil="System.Storyboarding.Common" StencilVersion="0.1"/>
+</Control>
+</file>
+
 <file path=customXml/item11.xml><?xml version="1.0" encoding="utf-8"?>
 <Control xmlns="http://schemas.microsoft.com/VisualStudio/2011/storyboarding/control">
   <Id Name="System.Storyboarding.Common.Text" Revision="1" Stencil="System.Storyboarding.Common" StencilVersion="0.1"/>
@@ -13214,13 +15055,13 @@
 
 <file path=customXml/item12.xml><?xml version="1.0" encoding="utf-8"?>
 <Control xmlns="http://schemas.microsoft.com/VisualStudio/2011/storyboarding/control">
-  <Id Name="System.Storyboarding.Common.Button" Revision="1" Stencil="System.Storyboarding.Common" StencilVersion="0.1"/>
+  <Id Name="System.Storyboarding.Backgrounds.WebBrowser" Revision="1" Stencil="System.Storyboarding.Backgrounds" StencilVersion="0.1"/>
 </Control>
 </file>
 
 <file path=customXml/item13.xml><?xml version="1.0" encoding="utf-8"?>
 <Control xmlns="http://schemas.microsoft.com/VisualStudio/2011/storyboarding/control">
-  <Id Name="System.Storyboarding.Common.Button" Revision="1" Stencil="System.Storyboarding.Common" StencilVersion="0.1"/>
+  <Id Name="System.Storyboarding.Common.TextInput" Revision="1" Stencil="System.Storyboarding.Common" StencilVersion="0.1"/>
 </Control>
 </file>
 
@@ -13244,13 +15085,13 @@
 
 <file path=customXml/item17.xml><?xml version="1.0" encoding="utf-8"?>
 <Control xmlns="http://schemas.microsoft.com/VisualStudio/2011/storyboarding/control">
-  <Id Name="System.Storyboarding.Common.Text" Revision="1" Stencil="System.Storyboarding.Common" StencilVersion="0.1"/>
+  <Id Name="System.Storyboarding.WindowsDesktop.Group" Revision="1" Stencil="System.Storyboarding.WindowsDesktop" StencilVersion="0.1"/>
 </Control>
 </file>
 
 <file path=customXml/item18.xml><?xml version="1.0" encoding="utf-8"?>
 <Control xmlns="http://schemas.microsoft.com/VisualStudio/2011/storyboarding/control">
-  <Id Name="System.Storyboarding.Common.Text" Revision="1" Stencil="System.Storyboarding.Common" StencilVersion="0.1"/>
+  <Id Name="System.Storyboarding.Common.TextInput" Revision="1" Stencil="System.Storyboarding.Common" StencilVersion="0.1"/>
 </Control>
 </file>
 
@@ -13262,7 +15103,7 @@
 
 <file path=customXml/item2.xml><?xml version="1.0" encoding="utf-8"?>
 <Control xmlns="http://schemas.microsoft.com/VisualStudio/2011/storyboarding/control">
-  <Id Name="System.Storyboarding.Common.Button" Revision="1" Stencil="System.Storyboarding.Common" StencilVersion="0.1"/>
+  <Id Name="System.Storyboarding.Common.Text" Revision="1" Stencil="System.Storyboarding.Common" StencilVersion="0.1"/>
 </Control>
 </file>
 
@@ -13274,7 +15115,7 @@
 
 <file path=customXml/item21.xml><?xml version="1.0" encoding="utf-8"?>
 <Control xmlns="http://schemas.microsoft.com/VisualStudio/2011/storyboarding/control">
-  <Id Name="System.Storyboarding.Common.Text" Revision="1" Stencil="System.Storyboarding.Common" StencilVersion="0.1"/>
+  <Id Name="System.Storyboarding.Common.Button" Revision="1" Stencil="System.Storyboarding.Common" StencilVersion="0.1"/>
 </Control>
 </file>
 
@@ -13292,13 +15133,13 @@
 
 <file path=customXml/item24.xml><?xml version="1.0" encoding="utf-8"?>
 <Control xmlns="http://schemas.microsoft.com/VisualStudio/2011/storyboarding/control">
-  <Id Name="System.Storyboarding.Common.TextInput" Revision="1" Stencil="System.Storyboarding.Common" StencilVersion="0.1"/>
+  <Id Name="System.Storyboarding.Common.Text" Revision="1" Stencil="System.Storyboarding.Common" StencilVersion="0.1"/>
 </Control>
 </file>
 
 <file path=customXml/item25.xml><?xml version="1.0" encoding="utf-8"?>
 <Control xmlns="http://schemas.microsoft.com/VisualStudio/2011/storyboarding/control">
-  <Id Name="System.Storyboarding.Common.Text" Revision="1" Stencil="System.Storyboarding.Common" StencilVersion="0.1"/>
+  <Id Name="System.Storyboarding.Common.Button" Revision="1" Stencil="System.Storyboarding.Common" StencilVersion="0.1"/>
 </Control>
 </file>
 
@@ -13316,13 +15157,13 @@
 
 <file path=customXml/item28.xml><?xml version="1.0" encoding="utf-8"?>
 <Control xmlns="http://schemas.microsoft.com/VisualStudio/2011/storyboarding/control">
-  <Id Name="System.Storyboarding.WindowsDesktop.Group" Revision="1" Stencil="System.Storyboarding.WindowsDesktop" StencilVersion="0.1"/>
+  <Id Name="System.Storyboarding.Common.TextInput" Revision="1" Stencil="System.Storyboarding.Common" StencilVersion="0.1"/>
 </Control>
 </file>
 
 <file path=customXml/item29.xml><?xml version="1.0" encoding="utf-8"?>
 <Control xmlns="http://schemas.microsoft.com/VisualStudio/2011/storyboarding/control">
-  <Id Name="System.Storyboarding.Common.Button" Revision="1" Stencil="System.Storyboarding.Common" StencilVersion="0.1"/>
+  <Id Name="System.Storyboarding.Common.Text" Revision="1" Stencil="System.Storyboarding.Common" StencilVersion="0.1"/>
 </Control>
 </file>
 
@@ -13334,7 +15175,7 @@
 
 <file path=customXml/item30.xml><?xml version="1.0" encoding="utf-8"?>
 <Control xmlns="http://schemas.microsoft.com/VisualStudio/2011/storyboarding/control">
-  <Id Name="System.Storyboarding.Common.Button" Revision="1" Stencil="System.Storyboarding.Common" StencilVersion="0.1"/>
+  <Id Name="System.Storyboarding.Common.Text" Revision="1" Stencil="System.Storyboarding.Common" StencilVersion="0.1"/>
 </Control>
 </file>
 
@@ -13352,13 +15193,13 @@
 
 <file path=customXml/item33.xml><?xml version="1.0" encoding="utf-8"?>
 <Control xmlns="http://schemas.microsoft.com/VisualStudio/2011/storyboarding/control">
-  <Id Name="System.Storyboarding.Common.TextInput" Revision="1" Stencil="System.Storyboarding.Common" StencilVersion="0.1"/>
+  <Id Name="System.Storyboarding.Common.Text" Revision="1" Stencil="System.Storyboarding.Common" StencilVersion="0.1"/>
 </Control>
 </file>
 
 <file path=customXml/item34.xml><?xml version="1.0" encoding="utf-8"?>
 <Control xmlns="http://schemas.microsoft.com/VisualStudio/2011/storyboarding/control">
-  <Id Name="System.Storyboarding.Common.Button" Revision="1" Stencil="System.Storyboarding.Common" StencilVersion="0.1"/>
+  <Id Name="System.Storyboarding.Common.Text" Revision="1" Stencil="System.Storyboarding.Common" StencilVersion="0.1"/>
 </Control>
 </file>
 
@@ -13370,25 +15211,25 @@
 
 <file path=customXml/item36.xml><?xml version="1.0" encoding="utf-8"?>
 <Control xmlns="http://schemas.microsoft.com/VisualStudio/2011/storyboarding/control">
-  <Id Name="System.Storyboarding.Common.Button" Revision="1" Stencil="System.Storyboarding.Common" StencilVersion="0.1"/>
+  <Id Name="System.Storyboarding.Common.Text" Revision="1" Stencil="System.Storyboarding.Common" StencilVersion="0.1"/>
 </Control>
 </file>
 
 <file path=customXml/item37.xml><?xml version="1.0" encoding="utf-8"?>
-<Control xmlns="http://schemas.microsoft.com/VisualStudio/2011/storyboarding/control">
-  <Id Name="System.Storyboarding.Backgrounds.WebBrowser" Revision="1" Stencil="System.Storyboarding.Backgrounds" StencilVersion="0.1"/>
-</Control>
-</file>
-
-<file path=customXml/item38.xml><?xml version="1.0" encoding="utf-8"?>
 <Control xmlns="http://schemas.microsoft.com/VisualStudio/2011/storyboarding/control">
   <Id Name="System.Storyboarding.Common.TextInput" Revision="1" Stencil="System.Storyboarding.Common" StencilVersion="0.1"/>
 </Control>
 </file>
 
+<file path=customXml/item38.xml><?xml version="1.0" encoding="utf-8"?>
+<Control xmlns="http://schemas.microsoft.com/VisualStudio/2011/storyboarding/control">
+  <Id Name="System.Storyboarding.Common.Text" Revision="1" Stencil="System.Storyboarding.Common" StencilVersion="0.1"/>
+</Control>
+</file>
+
 <file path=customXml/item39.xml><?xml version="1.0" encoding="utf-8"?>
 <Control xmlns="http://schemas.microsoft.com/VisualStudio/2011/storyboarding/control">
-  <Id Name="System.Storyboarding.Backgrounds.WebBrowser" Revision="1" Stencil="System.Storyboarding.Backgrounds" StencilVersion="0.1"/>
+  <Id Name="System.Storyboarding.Common.Text" Revision="1" Stencil="System.Storyboarding.Common" StencilVersion="0.1"/>
 </Control>
 </file>
 
@@ -13400,7 +15241,7 @@
 
 <file path=customXml/item40.xml><?xml version="1.0" encoding="utf-8"?>
 <Control xmlns="http://schemas.microsoft.com/VisualStudio/2011/storyboarding/control">
-  <Id Name="System.Storyboarding.Common.TextInput" Revision="1" Stencil="System.Storyboarding.Common" StencilVersion="0.1"/>
+  <Id Name="System.Storyboarding.Common.Text" Revision="1" Stencil="System.Storyboarding.Common" StencilVersion="0.1"/>
 </Control>
 </file>
 
@@ -13418,25 +15259,25 @@
 
 <file path=customXml/item43.xml><?xml version="1.0" encoding="utf-8"?>
 <Control xmlns="http://schemas.microsoft.com/VisualStudio/2011/storyboarding/control">
+  <Id Name="System.Storyboarding.Common.Text" Revision="1" Stencil="System.Storyboarding.Common" StencilVersion="0.1"/>
+</Control>
+</file>
+
+<file path=customXml/item44.xml><?xml version="1.0" encoding="utf-8"?>
+<Control xmlns="http://schemas.microsoft.com/VisualStudio/2011/storyboarding/control">
   <Id Name="System.Storyboarding.Common.Button" Revision="1" Stencil="System.Storyboarding.Common" StencilVersion="0.1"/>
 </Control>
 </file>
 
-<file path=customXml/item44.xml><?xml version="1.0" encoding="utf-8"?>
-<Control xmlns="http://schemas.microsoft.com/VisualStudio/2011/storyboarding/control">
-  <Id Name="System.Storyboarding.Backgrounds.WebBrowser" Revision="1" Stencil="System.Storyboarding.Backgrounds" StencilVersion="0.1"/>
-</Control>
-</file>
-
 <file path=customXml/item45.xml><?xml version="1.0" encoding="utf-8"?>
 <Control xmlns="http://schemas.microsoft.com/VisualStudio/2011/storyboarding/control">
-  <Id Name="System.Storyboarding.Common.TextInput" Revision="1" Stencil="System.Storyboarding.Common" StencilVersion="0.1"/>
+  <Id Name="System.Storyboarding.Common.Text" Revision="1" Stencil="System.Storyboarding.Common" StencilVersion="0.1"/>
 </Control>
 </file>
 
 <file path=customXml/item46.xml><?xml version="1.0" encoding="utf-8"?>
 <Control xmlns="http://schemas.microsoft.com/VisualStudio/2011/storyboarding/control">
-  <Id Name="System.Storyboarding.Common.Text" Revision="1" Stencil="System.Storyboarding.Common" StencilVersion="0.1"/>
+  <Id Name="System.Storyboarding.WindowsDesktop.Group" Revision="1" Stencil="System.Storyboarding.WindowsDesktop" StencilVersion="0.1"/>
 </Control>
 </file>
 
@@ -13460,13 +15301,13 @@
 
 <file path=customXml/item5.xml><?xml version="1.0" encoding="utf-8"?>
 <Control xmlns="http://schemas.microsoft.com/VisualStudio/2011/storyboarding/control">
-  <Id Name="System.Storyboarding.Common.Button" Revision="1" Stencil="System.Storyboarding.Common" StencilVersion="0.1"/>
+  <Id Name="System.Storyboarding.Common.Text" Revision="1" Stencil="System.Storyboarding.Common" StencilVersion="0.1"/>
 </Control>
 </file>
 
 <file path=customXml/item50.xml><?xml version="1.0" encoding="utf-8"?>
 <Control xmlns="http://schemas.microsoft.com/VisualStudio/2011/storyboarding/control">
-  <Id Name="System.Storyboarding.Common.Button" Revision="1" Stencil="System.Storyboarding.Common" StencilVersion="0.1"/>
+  <Id Name="System.Storyboarding.Common.Text" Revision="1" Stencil="System.Storyboarding.Common" StencilVersion="0.1"/>
 </Control>
 </file>
 
@@ -13502,13 +15343,13 @@
 
 <file path=customXml/item56.xml><?xml version="1.0" encoding="utf-8"?>
 <Control xmlns="http://schemas.microsoft.com/VisualStudio/2011/storyboarding/control">
-  <Id Name="System.Storyboarding.Common.Text" Revision="1" Stencil="System.Storyboarding.Common" StencilVersion="0.1"/>
+  <Id Name="System.Storyboarding.Common.Button" Revision="1" Stencil="System.Storyboarding.Common" StencilVersion="0.1"/>
 </Control>
 </file>
 
 <file path=customXml/item57.xml><?xml version="1.0" encoding="utf-8"?>
 <Control xmlns="http://schemas.microsoft.com/VisualStudio/2011/storyboarding/control">
-  <Id Name="System.Storyboarding.Common.TextInput" Revision="1" Stencil="System.Storyboarding.Common" StencilVersion="0.1"/>
+  <Id Name="System.Storyboarding.WindowsDesktop.Group" Revision="1" Stencil="System.Storyboarding.WindowsDesktop" StencilVersion="0.1"/>
 </Control>
 </file>
 
@@ -13526,7 +15367,7 @@
 
 <file path=customXml/item6.xml><?xml version="1.0" encoding="utf-8"?>
 <Control xmlns="http://schemas.microsoft.com/VisualStudio/2011/storyboarding/control">
-  <Id Name="System.Storyboarding.Common.TextInput" Revision="1" Stencil="System.Storyboarding.Common" StencilVersion="0.1"/>
+  <Id Name="System.Storyboarding.Backgrounds.WebBrowser" Revision="1" Stencil="System.Storyboarding.Backgrounds" StencilVersion="0.1"/>
 </Control>
 </file>
 
@@ -13538,7 +15379,7 @@
 
 <file path=customXml/item61.xml><?xml version="1.0" encoding="utf-8"?>
 <Control xmlns="http://schemas.microsoft.com/VisualStudio/2011/storyboarding/control">
-  <Id Name="System.Storyboarding.WindowsDesktop.Group" Revision="1" Stencil="System.Storyboarding.WindowsDesktop" StencilVersion="0.1"/>
+  <Id Name="System.Storyboarding.Common.Text" Revision="1" Stencil="System.Storyboarding.Common" StencilVersion="0.1"/>
 </Control>
 </file>
 
@@ -13556,7 +15397,7 @@
 
 <file path=customXml/item64.xml><?xml version="1.0" encoding="utf-8"?>
 <Control xmlns="http://schemas.microsoft.com/VisualStudio/2011/storyboarding/control">
-  <Id Name="System.Storyboarding.Common.Text" Revision="1" Stencil="System.Storyboarding.Common" StencilVersion="0.1"/>
+  <Id Name="System.Storyboarding.Common.Button" Revision="1" Stencil="System.Storyboarding.Common" StencilVersion="0.1"/>
 </Control>
 </file>
 
@@ -13592,25 +15433,25 @@
 
 <file path=customXml/item7.xml><?xml version="1.0" encoding="utf-8"?>
 <Control xmlns="http://schemas.microsoft.com/VisualStudio/2011/storyboarding/control">
-  <Id Name="System.Storyboarding.Common.Text" Revision="1" Stencil="System.Storyboarding.Common" StencilVersion="0.1"/>
+  <Id Name="System.Storyboarding.Common.TextInput" Revision="1" Stencil="System.Storyboarding.Common" StencilVersion="0.1"/>
 </Control>
 </file>
 
 <file path=customXml/item70.xml><?xml version="1.0" encoding="utf-8"?>
 <Control xmlns="http://schemas.microsoft.com/VisualStudio/2011/storyboarding/control">
-  <Id Name="System.Storyboarding.Common.Text" Revision="1" Stencil="System.Storyboarding.Common" StencilVersion="0.1"/>
+  <Id Name="System.Storyboarding.Common.Button" Revision="1" Stencil="System.Storyboarding.Common" StencilVersion="0.1"/>
 </Control>
 </file>
 
 <file path=customXml/item71.xml><?xml version="1.0" encoding="utf-8"?>
 <Control xmlns="http://schemas.microsoft.com/VisualStudio/2011/storyboarding/control">
-  <Id Name="System.Storyboarding.WindowsDesktop.Group" Revision="1" Stencil="System.Storyboarding.WindowsDesktop" StencilVersion="0.1"/>
+  <Id Name="System.Storyboarding.Backgrounds.WebBrowser" Revision="1" Stencil="System.Storyboarding.Backgrounds" StencilVersion="0.1"/>
 </Control>
 </file>
 
 <file path=customXml/item72.xml><?xml version="1.0" encoding="utf-8"?>
 <Control xmlns="http://schemas.microsoft.com/VisualStudio/2011/storyboarding/control">
-  <Id Name="System.Storyboarding.WindowsDesktop.Group" Revision="1" Stencil="System.Storyboarding.WindowsDesktop" StencilVersion="0.1"/>
+  <Id Name="System.Storyboarding.Common.Button" Revision="1" Stencil="System.Storyboarding.Common" StencilVersion="0.1"/>
 </Control>
 </file>
 
@@ -13634,7 +15475,7 @@
 
 <file path=customXml/item76.xml><?xml version="1.0" encoding="utf-8"?>
 <Control xmlns="http://schemas.microsoft.com/VisualStudio/2011/storyboarding/control">
-  <Id Name="System.Storyboarding.Common.Button" Revision="1" Stencil="System.Storyboarding.Common" StencilVersion="0.1"/>
+  <Id Name="System.Storyboarding.Common.Text" Revision="1" Stencil="System.Storyboarding.Common" StencilVersion="0.1"/>
 </Control>
 </file>
 
@@ -13652,7 +15493,7 @@
 
 <file path=customXml/item79.xml><?xml version="1.0" encoding="utf-8"?>
 <Control xmlns="http://schemas.microsoft.com/VisualStudio/2011/storyboarding/control">
-  <Id Name="System.Storyboarding.Common.Button" Revision="1" Stencil="System.Storyboarding.Common" StencilVersion="0.1"/>
+  <Id Name="System.Storyboarding.Common.Text" Revision="1" Stencil="System.Storyboarding.Common" StencilVersion="0.1"/>
 </Control>
 </file>
 
@@ -13664,13 +15505,13 @@
 
 <file path=customXml/item80.xml><?xml version="1.0" encoding="utf-8"?>
 <Control xmlns="http://schemas.microsoft.com/VisualStudio/2011/storyboarding/control">
-  <Id Name="System.Storyboarding.Common.TextInput" Revision="1" Stencil="System.Storyboarding.Common" StencilVersion="0.1"/>
+  <Id Name="System.Storyboarding.Common.Button" Revision="1" Stencil="System.Storyboarding.Common" StencilVersion="0.1"/>
 </Control>
 </file>
 
 <file path=customXml/item81.xml><?xml version="1.0" encoding="utf-8"?>
 <Control xmlns="http://schemas.microsoft.com/VisualStudio/2011/storyboarding/control">
-  <Id Name="System.Storyboarding.Common.Text" Revision="1" Stencil="System.Storyboarding.Common" StencilVersion="0.1"/>
+  <Id Name="System.Storyboarding.Common.Button" Revision="1" Stencil="System.Storyboarding.Common" StencilVersion="0.1"/>
 </Control>
 </file>
 
@@ -13682,7 +15523,7 @@
 
 <file path=customXml/item83.xml><?xml version="1.0" encoding="utf-8"?>
 <Control xmlns="http://schemas.microsoft.com/VisualStudio/2011/storyboarding/control">
-  <Id Name="System.Storyboarding.Common.Text" Revision="1" Stencil="System.Storyboarding.Common" StencilVersion="0.1"/>
+  <Id Name="System.Storyboarding.Common.Button" Revision="1" Stencil="System.Storyboarding.Common" StencilVersion="0.1"/>
 </Control>
 </file>
 
@@ -13712,7 +15553,7 @@
 
 <file path=customXml/item88.xml><?xml version="1.0" encoding="utf-8"?>
 <Control xmlns="http://schemas.microsoft.com/VisualStudio/2011/storyboarding/control">
-  <Id Name="System.Storyboarding.Common.Text" Revision="1" Stencil="System.Storyboarding.Common" StencilVersion="0.1"/>
+  <Id Name="System.Storyboarding.Backgrounds.WebBrowser" Revision="1" Stencil="System.Storyboarding.Backgrounds" StencilVersion="0.1"/>
 </Control>
 </file>
 
@@ -13736,7 +15577,7 @@
 
 <file path=customXml/item91.xml><?xml version="1.0" encoding="utf-8"?>
 <Control xmlns="http://schemas.microsoft.com/VisualStudio/2011/storyboarding/control">
-  <Id Name="System.Storyboarding.Common.Text" Revision="1" Stencil="System.Storyboarding.Common" StencilVersion="0.1"/>
+  <Id Name="System.Storyboarding.Common.Button" Revision="1" Stencil="System.Storyboarding.Common" StencilVersion="0.1"/>
 </Control>
 </file>
 
@@ -13754,12 +15595,42 @@
 
 <file path=customXml/item94.xml><?xml version="1.0" encoding="utf-8"?>
 <Control xmlns="http://schemas.microsoft.com/VisualStudio/2011/storyboarding/control">
+  <Id Name="System.Storyboarding.Common.Button" Revision="1" Stencil="System.Storyboarding.Common" StencilVersion="0.1"/>
+</Control>
+</file>
+
+<file path=customXml/item95.xml><?xml version="1.0" encoding="utf-8"?>
+<Control xmlns="http://schemas.microsoft.com/VisualStudio/2011/storyboarding/control">
+  <Id Name="System.Storyboarding.WindowsDesktop.Group" Revision="1" Stencil="System.Storyboarding.WindowsDesktop" StencilVersion="0.1"/>
+</Control>
+</file>
+
+<file path=customXml/item96.xml><?xml version="1.0" encoding="utf-8"?>
+<Control xmlns="http://schemas.microsoft.com/VisualStudio/2011/storyboarding/control">
   <Id Name="System.Storyboarding.Common.Text" Revision="1" Stencil="System.Storyboarding.Common" StencilVersion="0.1"/>
 </Control>
 </file>
 
+<file path=customXml/item97.xml><?xml version="1.0" encoding="utf-8"?>
+<Control xmlns="http://schemas.microsoft.com/VisualStudio/2011/storyboarding/control">
+  <Id Name="System.Storyboarding.Common.Text" Revision="1" Stencil="System.Storyboarding.Common" StencilVersion="0.1"/>
+</Control>
+</file>
+
+<file path=customXml/item98.xml><?xml version="1.0" encoding="utf-8"?>
+<Control xmlns="http://schemas.microsoft.com/VisualStudio/2011/storyboarding/control">
+  <Id Name="System.Storyboarding.Common.TextInput" Revision="1" Stencil="System.Storyboarding.Common" StencilVersion="0.1"/>
+</Control>
+</file>
+
+<file path=customXml/item99.xml><?xml version="1.0" encoding="utf-8"?>
+<Control xmlns="http://schemas.microsoft.com/VisualStudio/2011/storyboarding/control">
+  <Id Name="System.Storyboarding.Common.TextInput" Revision="1" Stencil="System.Storyboarding.Common" StencilVersion="0.1"/>
+</Control>
+</file>
+
 <file path=customXml/itemProps1.xml><?xml version="1.0" encoding="utf-8"?>
-<ds:datastoreItem xmlns:ds="http://schemas.openxmlformats.org/officeDocument/2006/customXml" ds:itemID="{4195F90E-59D5-4B41-9305-67159AF67330}">
+<ds:datastoreItem xmlns:ds="http://schemas.openxmlformats.org/officeDocument/2006/customXml" ds:itemID="{4E13E8EA-C2B5-470A-B44A-CE5C24E81D2D}">
   <ds:schemaRefs>
     <ds:schemaRef ds:uri="http://schemas.microsoft.com/VisualStudio/2011/storyboarding/control"/>
   </ds:schemaRefs>
@@ -13767,6 +15638,86 @@
 </file>
 
 <file path=customXml/itemProps10.xml><?xml version="1.0" encoding="utf-8"?>
+<ds:datastoreItem xmlns:ds="http://schemas.openxmlformats.org/officeDocument/2006/customXml" ds:itemID="{0581480E-7013-44FC-BE79-CF5EA6B7D88C}">
+  <ds:schemaRefs>
+    <ds:schemaRef ds:uri="http://schemas.microsoft.com/VisualStudio/2011/storyboarding/control"/>
+  </ds:schemaRefs>
+</ds:datastoreItem>
+</file>
+
+<file path=customXml/itemProps100.xml><?xml version="1.0" encoding="utf-8"?>
+<ds:datastoreItem xmlns:ds="http://schemas.openxmlformats.org/officeDocument/2006/customXml" ds:itemID="{0E1362E5-2D76-4115-A434-963C21634352}">
+  <ds:schemaRefs>
+    <ds:schemaRef ds:uri="http://schemas.microsoft.com/VisualStudio/2011/storyboarding/control"/>
+  </ds:schemaRefs>
+</ds:datastoreItem>
+</file>
+
+<file path=customXml/itemProps101.xml><?xml version="1.0" encoding="utf-8"?>
+<ds:datastoreItem xmlns:ds="http://schemas.openxmlformats.org/officeDocument/2006/customXml" ds:itemID="{11867D74-89D7-46A0-8739-D46A81052B4D}">
+  <ds:schemaRefs>
+    <ds:schemaRef ds:uri="http://schemas.microsoft.com/VisualStudio/2011/storyboarding/control"/>
+  </ds:schemaRefs>
+</ds:datastoreItem>
+</file>
+
+<file path=customXml/itemProps102.xml><?xml version="1.0" encoding="utf-8"?>
+<ds:datastoreItem xmlns:ds="http://schemas.openxmlformats.org/officeDocument/2006/customXml" ds:itemID="{D46D0DCD-BC28-4A08-817B-2A1F37B85258}">
+  <ds:schemaRefs>
+    <ds:schemaRef ds:uri="http://schemas.microsoft.com/VisualStudio/2011/storyboarding/control"/>
+  </ds:schemaRefs>
+</ds:datastoreItem>
+</file>
+
+<file path=customXml/itemProps103.xml><?xml version="1.0" encoding="utf-8"?>
+<ds:datastoreItem xmlns:ds="http://schemas.openxmlformats.org/officeDocument/2006/customXml" ds:itemID="{E8A9E837-4F07-47FC-8F77-482D5994BFE1}">
+  <ds:schemaRefs>
+    <ds:schemaRef ds:uri="http://schemas.microsoft.com/VisualStudio/2011/storyboarding/control"/>
+  </ds:schemaRefs>
+</ds:datastoreItem>
+</file>
+
+<file path=customXml/itemProps104.xml><?xml version="1.0" encoding="utf-8"?>
+<ds:datastoreItem xmlns:ds="http://schemas.openxmlformats.org/officeDocument/2006/customXml" ds:itemID="{4C066206-967A-4E2F-B2BC-700D45A7A49E}">
+  <ds:schemaRefs>
+    <ds:schemaRef ds:uri="http://schemas.microsoft.com/VisualStudio/2011/storyboarding/control"/>
+  </ds:schemaRefs>
+</ds:datastoreItem>
+</file>
+
+<file path=customXml/itemProps11.xml><?xml version="1.0" encoding="utf-8"?>
+<ds:datastoreItem xmlns:ds="http://schemas.openxmlformats.org/officeDocument/2006/customXml" ds:itemID="{2C424143-0EDB-49CD-9D34-D7FDF746D767}">
+  <ds:schemaRefs>
+    <ds:schemaRef ds:uri="http://schemas.microsoft.com/VisualStudio/2011/storyboarding/control"/>
+  </ds:schemaRefs>
+</ds:datastoreItem>
+</file>
+
+<file path=customXml/itemProps12.xml><?xml version="1.0" encoding="utf-8"?>
+<ds:datastoreItem xmlns:ds="http://schemas.openxmlformats.org/officeDocument/2006/customXml" ds:itemID="{706A1BB4-8E01-4346-A7C7-5769BC86DDBD}">
+  <ds:schemaRefs>
+    <ds:schemaRef ds:uri="http://schemas.microsoft.com/VisualStudio/2011/storyboarding/control"/>
+  </ds:schemaRefs>
+</ds:datastoreItem>
+</file>
+
+<file path=customXml/itemProps13.xml><?xml version="1.0" encoding="utf-8"?>
+<ds:datastoreItem xmlns:ds="http://schemas.openxmlformats.org/officeDocument/2006/customXml" ds:itemID="{CDA2CAA4-2185-4C21-994E-6D205B10034A}">
+  <ds:schemaRefs>
+    <ds:schemaRef ds:uri="http://schemas.microsoft.com/VisualStudio/2011/storyboarding/control"/>
+  </ds:schemaRefs>
+</ds:datastoreItem>
+</file>
+
+<file path=customXml/itemProps14.xml><?xml version="1.0" encoding="utf-8"?>
+<ds:datastoreItem xmlns:ds="http://schemas.openxmlformats.org/officeDocument/2006/customXml" ds:itemID="{B34E3E29-D5FA-4513-BA7B-1A0A9A19137B}">
+  <ds:schemaRefs>
+    <ds:schemaRef ds:uri="http://schemas.microsoft.com/VisualStudio/2011/storyboarding/control"/>
+  </ds:schemaRefs>
+</ds:datastoreItem>
+</file>
+
+<file path=customXml/itemProps15.xml><?xml version="1.0" encoding="utf-8"?>
 <ds:datastoreItem xmlns:ds="http://schemas.openxmlformats.org/officeDocument/2006/customXml" ds:itemID="{6BD9389A-209A-4E27-BE71-D054EFCE3263}">
   <ds:schemaRefs>
     <ds:schemaRef ds:uri="http://schemas.microsoft.com/VisualStudio/2011/storyboarding/control"/>
@@ -13774,7 +15725,151 @@
 </ds:datastoreItem>
 </file>
 
-<file path=customXml/itemProps11.xml><?xml version="1.0" encoding="utf-8"?>
+<file path=customXml/itemProps16.xml><?xml version="1.0" encoding="utf-8"?>
+<ds:datastoreItem xmlns:ds="http://schemas.openxmlformats.org/officeDocument/2006/customXml" ds:itemID="{7F97CA79-3735-4D60-B9A5-2E3484F47F74}">
+  <ds:schemaRefs>
+    <ds:schemaRef ds:uri="http://schemas.microsoft.com/VisualStudio/2011/storyboarding/control"/>
+  </ds:schemaRefs>
+</ds:datastoreItem>
+</file>
+
+<file path=customXml/itemProps17.xml><?xml version="1.0" encoding="utf-8"?>
+<ds:datastoreItem xmlns:ds="http://schemas.openxmlformats.org/officeDocument/2006/customXml" ds:itemID="{CBE2264E-B735-46F7-9C33-49D8F0E9629F}">
+  <ds:schemaRefs>
+    <ds:schemaRef ds:uri="http://schemas.microsoft.com/VisualStudio/2011/storyboarding/control"/>
+  </ds:schemaRefs>
+</ds:datastoreItem>
+</file>
+
+<file path=customXml/itemProps18.xml><?xml version="1.0" encoding="utf-8"?>
+<ds:datastoreItem xmlns:ds="http://schemas.openxmlformats.org/officeDocument/2006/customXml" ds:itemID="{C87EB272-06E0-459A-82C7-1314C191C0B6}">
+  <ds:schemaRefs>
+    <ds:schemaRef ds:uri="http://schemas.microsoft.com/VisualStudio/2011/storyboarding/control"/>
+  </ds:schemaRefs>
+</ds:datastoreItem>
+</file>
+
+<file path=customXml/itemProps19.xml><?xml version="1.0" encoding="utf-8"?>
+<ds:datastoreItem xmlns:ds="http://schemas.openxmlformats.org/officeDocument/2006/customXml" ds:itemID="{5C5F2CA8-0C38-4947-B5B8-7070298171F9}">
+  <ds:schemaRefs>
+    <ds:schemaRef ds:uri="http://schemas.microsoft.com/VisualStudio/2011/storyboarding/control"/>
+  </ds:schemaRefs>
+</ds:datastoreItem>
+</file>
+
+<file path=customXml/itemProps2.xml><?xml version="1.0" encoding="utf-8"?>
+<ds:datastoreItem xmlns:ds="http://schemas.openxmlformats.org/officeDocument/2006/customXml" ds:itemID="{A06AE3E6-A3B0-4E4B-9EC9-A799584BC500}">
+  <ds:schemaRefs>
+    <ds:schemaRef ds:uri="http://schemas.microsoft.com/VisualStudio/2011/storyboarding/control"/>
+  </ds:schemaRefs>
+</ds:datastoreItem>
+</file>
+
+<file path=customXml/itemProps20.xml><?xml version="1.0" encoding="utf-8"?>
+<ds:datastoreItem xmlns:ds="http://schemas.openxmlformats.org/officeDocument/2006/customXml" ds:itemID="{FB30DAF4-7E37-450D-9E21-EE3BE7CA2ABE}">
+  <ds:schemaRefs>
+    <ds:schemaRef ds:uri="http://schemas.microsoft.com/VisualStudio/2011/storyboarding/control"/>
+  </ds:schemaRefs>
+</ds:datastoreItem>
+</file>
+
+<file path=customXml/itemProps21.xml><?xml version="1.0" encoding="utf-8"?>
+<ds:datastoreItem xmlns:ds="http://schemas.openxmlformats.org/officeDocument/2006/customXml" ds:itemID="{052A9492-BDFD-43D7-B693-A5377D9721CE}">
+  <ds:schemaRefs>
+    <ds:schemaRef ds:uri="http://schemas.microsoft.com/VisualStudio/2011/storyboarding/control"/>
+  </ds:schemaRefs>
+</ds:datastoreItem>
+</file>
+
+<file path=customXml/itemProps22.xml><?xml version="1.0" encoding="utf-8"?>
+<ds:datastoreItem xmlns:ds="http://schemas.openxmlformats.org/officeDocument/2006/customXml" ds:itemID="{AE2628E4-1FE7-4CBE-8110-29FE6DE84B04}">
+  <ds:schemaRefs>
+    <ds:schemaRef ds:uri="http://schemas.microsoft.com/VisualStudio/2011/storyboarding/control"/>
+  </ds:schemaRefs>
+</ds:datastoreItem>
+</file>
+
+<file path=customXml/itemProps23.xml><?xml version="1.0" encoding="utf-8"?>
+<ds:datastoreItem xmlns:ds="http://schemas.openxmlformats.org/officeDocument/2006/customXml" ds:itemID="{952F9C8A-0F2D-4E1A-98A4-AFCB3B5155B5}">
+  <ds:schemaRefs>
+    <ds:schemaRef ds:uri="http://schemas.microsoft.com/VisualStudio/2011/storyboarding/control"/>
+  </ds:schemaRefs>
+</ds:datastoreItem>
+</file>
+
+<file path=customXml/itemProps24.xml><?xml version="1.0" encoding="utf-8"?>
+<ds:datastoreItem xmlns:ds="http://schemas.openxmlformats.org/officeDocument/2006/customXml" ds:itemID="{77EE2644-71C0-499C-8B5D-93C6C937876B}">
+  <ds:schemaRefs>
+    <ds:schemaRef ds:uri="http://schemas.microsoft.com/VisualStudio/2011/storyboarding/control"/>
+  </ds:schemaRefs>
+</ds:datastoreItem>
+</file>
+
+<file path=customXml/itemProps25.xml><?xml version="1.0" encoding="utf-8"?>
+<ds:datastoreItem xmlns:ds="http://schemas.openxmlformats.org/officeDocument/2006/customXml" ds:itemID="{330B8CA9-4230-4473-BCAC-7C3D77BF983E}">
+  <ds:schemaRefs>
+    <ds:schemaRef ds:uri="http://schemas.microsoft.com/VisualStudio/2011/storyboarding/control"/>
+  </ds:schemaRefs>
+</ds:datastoreItem>
+</file>
+
+<file path=customXml/itemProps26.xml><?xml version="1.0" encoding="utf-8"?>
+<ds:datastoreItem xmlns:ds="http://schemas.openxmlformats.org/officeDocument/2006/customXml" ds:itemID="{C1FD1FC4-FCD1-4119-BABA-CFB5BAF2F4EA}">
+  <ds:schemaRefs>
+    <ds:schemaRef ds:uri="http://schemas.microsoft.com/VisualStudio/2011/storyboarding/control"/>
+  </ds:schemaRefs>
+</ds:datastoreItem>
+</file>
+
+<file path=customXml/itemProps27.xml><?xml version="1.0" encoding="utf-8"?>
+<ds:datastoreItem xmlns:ds="http://schemas.openxmlformats.org/officeDocument/2006/customXml" ds:itemID="{20AAA685-7C9B-4F8D-A708-3B35EE8683C4}">
+  <ds:schemaRefs>
+    <ds:schemaRef ds:uri="http://schemas.microsoft.com/VisualStudio/2011/storyboarding/control"/>
+  </ds:schemaRefs>
+</ds:datastoreItem>
+</file>
+
+<file path=customXml/itemProps28.xml><?xml version="1.0" encoding="utf-8"?>
+<ds:datastoreItem xmlns:ds="http://schemas.openxmlformats.org/officeDocument/2006/customXml" ds:itemID="{59AE3559-814B-4D4B-B63D-3DD4F1AA27E7}">
+  <ds:schemaRefs>
+    <ds:schemaRef ds:uri="http://schemas.microsoft.com/VisualStudio/2011/storyboarding/control"/>
+  </ds:schemaRefs>
+</ds:datastoreItem>
+</file>
+
+<file path=customXml/itemProps29.xml><?xml version="1.0" encoding="utf-8"?>
+<ds:datastoreItem xmlns:ds="http://schemas.openxmlformats.org/officeDocument/2006/customXml" ds:itemID="{AB0D387D-59CB-4E6F-8575-DFF8CB7C2359}">
+  <ds:schemaRefs>
+    <ds:schemaRef ds:uri="http://schemas.microsoft.com/VisualStudio/2011/storyboarding/control"/>
+  </ds:schemaRefs>
+</ds:datastoreItem>
+</file>
+
+<file path=customXml/itemProps3.xml><?xml version="1.0" encoding="utf-8"?>
+<ds:datastoreItem xmlns:ds="http://schemas.openxmlformats.org/officeDocument/2006/customXml" ds:itemID="{DB003707-4FED-460C-A956-C176DDA6B012}">
+  <ds:schemaRefs>
+    <ds:schemaRef ds:uri="http://schemas.microsoft.com/VisualStudio/2011/storyboarding/control"/>
+  </ds:schemaRefs>
+</ds:datastoreItem>
+</file>
+
+<file path=customXml/itemProps30.xml><?xml version="1.0" encoding="utf-8"?>
+<ds:datastoreItem xmlns:ds="http://schemas.openxmlformats.org/officeDocument/2006/customXml" ds:itemID="{8DB4A136-FFE1-48E5-965A-72F7A37C0343}">
+  <ds:schemaRefs>
+    <ds:schemaRef ds:uri="http://schemas.microsoft.com/VisualStudio/2011/storyboarding/control"/>
+  </ds:schemaRefs>
+</ds:datastoreItem>
+</file>
+
+<file path=customXml/itemProps31.xml><?xml version="1.0" encoding="utf-8"?>
+<ds:datastoreItem xmlns:ds="http://schemas.openxmlformats.org/officeDocument/2006/customXml" ds:itemID="{4DEA664B-9519-4E32-8365-20C7E3BC0862}">
+  <ds:schemaRefs>
+    <ds:schemaRef ds:uri="http://schemas.microsoft.com/VisualStudio/2011/storyboarding/control"/>
+  </ds:schemaRefs>
+</ds:datastoreItem>
+</file>
+
+<file path=customXml/itemProps32.xml><?xml version="1.0" encoding="utf-8"?>
 <ds:datastoreItem xmlns:ds="http://schemas.openxmlformats.org/officeDocument/2006/customXml" ds:itemID="{46B61262-AF5F-47E6-9F1D-09024E3437D8}">
   <ds:schemaRefs>
     <ds:schemaRef ds:uri="http://schemas.microsoft.com/VisualStudio/2011/storyboarding/control"/>
@@ -13782,31 +15877,63 @@
 </ds:datastoreItem>
 </file>
 
-<file path=customXml/itemProps12.xml><?xml version="1.0" encoding="utf-8"?>
-<ds:datastoreItem xmlns:ds="http://schemas.openxmlformats.org/officeDocument/2006/customXml" ds:itemID="{10699EA8-5A0E-4900-BEA7-150FA3DE6453}">
+<file path=customXml/itemProps33.xml><?xml version="1.0" encoding="utf-8"?>
+<ds:datastoreItem xmlns:ds="http://schemas.openxmlformats.org/officeDocument/2006/customXml" ds:itemID="{7986EA6B-AE00-489A-8A49-0CF2062E1616}">
   <ds:schemaRefs>
     <ds:schemaRef ds:uri="http://schemas.microsoft.com/VisualStudio/2011/storyboarding/control"/>
   </ds:schemaRefs>
 </ds:datastoreItem>
 </file>
 
-<file path=customXml/itemProps13.xml><?xml version="1.0" encoding="utf-8"?>
-<ds:datastoreItem xmlns:ds="http://schemas.openxmlformats.org/officeDocument/2006/customXml" ds:itemID="{5BA8E854-A098-45BF-B681-C0E56A233130}">
+<file path=customXml/itemProps34.xml><?xml version="1.0" encoding="utf-8"?>
+<ds:datastoreItem xmlns:ds="http://schemas.openxmlformats.org/officeDocument/2006/customXml" ds:itemID="{922C7A2B-D7CB-418A-B5CA-5FBA7ECFD224}">
   <ds:schemaRefs>
     <ds:schemaRef ds:uri="http://schemas.microsoft.com/VisualStudio/2011/storyboarding/control"/>
   </ds:schemaRefs>
 </ds:datastoreItem>
 </file>
 
-<file path=customXml/itemProps14.xml><?xml version="1.0" encoding="utf-8"?>
-<ds:datastoreItem xmlns:ds="http://schemas.openxmlformats.org/officeDocument/2006/customXml" ds:itemID="{0993A915-5B46-4319-94F9-5568E6B3D1B9}">
+<file path=customXml/itemProps35.xml><?xml version="1.0" encoding="utf-8"?>
+<ds:datastoreItem xmlns:ds="http://schemas.openxmlformats.org/officeDocument/2006/customXml" ds:itemID="{CC201B58-BD57-4948-B64E-2D80999AA5A6}">
   <ds:schemaRefs>
     <ds:schemaRef ds:uri="http://schemas.microsoft.com/VisualStudio/2011/storyboarding/control"/>
   </ds:schemaRefs>
 </ds:datastoreItem>
 </file>
 
-<file path=customXml/itemProps15.xml><?xml version="1.0" encoding="utf-8"?>
+<file path=customXml/itemProps36.xml><?xml version="1.0" encoding="utf-8"?>
+<ds:datastoreItem xmlns:ds="http://schemas.openxmlformats.org/officeDocument/2006/customXml" ds:itemID="{2A06D458-D162-41CD-BD8C-65B78E699FDE}">
+  <ds:schemaRefs>
+    <ds:schemaRef ds:uri="http://schemas.microsoft.com/VisualStudio/2011/storyboarding/control"/>
+  </ds:schemaRefs>
+</ds:datastoreItem>
+</file>
+
+<file path=customXml/itemProps37.xml><?xml version="1.0" encoding="utf-8"?>
+<ds:datastoreItem xmlns:ds="http://schemas.openxmlformats.org/officeDocument/2006/customXml" ds:itemID="{85862C97-4D7C-4881-8ED9-0105087D4681}">
+  <ds:schemaRefs>
+    <ds:schemaRef ds:uri="http://schemas.microsoft.com/VisualStudio/2011/storyboarding/control"/>
+  </ds:schemaRefs>
+</ds:datastoreItem>
+</file>
+
+<file path=customXml/itemProps38.xml><?xml version="1.0" encoding="utf-8"?>
+<ds:datastoreItem xmlns:ds="http://schemas.openxmlformats.org/officeDocument/2006/customXml" ds:itemID="{4C9D10DE-BC24-4FE9-ADBB-5DB0CD32A738}">
+  <ds:schemaRefs>
+    <ds:schemaRef ds:uri="http://schemas.microsoft.com/VisualStudio/2011/storyboarding/control"/>
+  </ds:schemaRefs>
+</ds:datastoreItem>
+</file>
+
+<file path=customXml/itemProps39.xml><?xml version="1.0" encoding="utf-8"?>
+<ds:datastoreItem xmlns:ds="http://schemas.openxmlformats.org/officeDocument/2006/customXml" ds:itemID="{0B440270-F481-40D1-BD9B-90E29B28E700}">
+  <ds:schemaRefs>
+    <ds:schemaRef ds:uri="http://schemas.microsoft.com/VisualStudio/2011/storyboarding/control"/>
+  </ds:schemaRefs>
+</ds:datastoreItem>
+</file>
+
+<file path=customXml/itemProps4.xml><?xml version="1.0" encoding="utf-8"?>
 <ds:datastoreItem xmlns:ds="http://schemas.openxmlformats.org/officeDocument/2006/customXml" ds:itemID="{A03C1106-7C96-439F-BBAB-0A198B028696}">
   <ds:schemaRefs>
     <ds:schemaRef ds:uri="http://schemas.microsoft.com/VisualStudio/2011/storyboarding/control"/>
@@ -13814,7 +15941,95 @@
 </ds:datastoreItem>
 </file>
 
-<file path=customXml/itemProps16.xml><?xml version="1.0" encoding="utf-8"?>
+<file path=customXml/itemProps40.xml><?xml version="1.0" encoding="utf-8"?>
+<ds:datastoreItem xmlns:ds="http://schemas.openxmlformats.org/officeDocument/2006/customXml" ds:itemID="{6B877668-8445-4405-834C-08814435371A}">
+  <ds:schemaRefs>
+    <ds:schemaRef ds:uri="http://schemas.microsoft.com/VisualStudio/2011/storyboarding/control"/>
+  </ds:schemaRefs>
+</ds:datastoreItem>
+</file>
+
+<file path=customXml/itemProps41.xml><?xml version="1.0" encoding="utf-8"?>
+<ds:datastoreItem xmlns:ds="http://schemas.openxmlformats.org/officeDocument/2006/customXml" ds:itemID="{25445565-960B-47D0-93DC-3E2517B0ABF5}">
+  <ds:schemaRefs>
+    <ds:schemaRef ds:uri="http://schemas.microsoft.com/VisualStudio/2011/storyboarding/control"/>
+  </ds:schemaRefs>
+</ds:datastoreItem>
+</file>
+
+<file path=customXml/itemProps42.xml><?xml version="1.0" encoding="utf-8"?>
+<ds:datastoreItem xmlns:ds="http://schemas.openxmlformats.org/officeDocument/2006/customXml" ds:itemID="{F9121E45-C1FE-4DD3-85BB-1C508B13047D}">
+  <ds:schemaRefs>
+    <ds:schemaRef ds:uri="http://schemas.microsoft.com/VisualStudio/2011/storyboarding/control"/>
+  </ds:schemaRefs>
+</ds:datastoreItem>
+</file>
+
+<file path=customXml/itemProps43.xml><?xml version="1.0" encoding="utf-8"?>
+<ds:datastoreItem xmlns:ds="http://schemas.openxmlformats.org/officeDocument/2006/customXml" ds:itemID="{FD935BDD-2AA7-4210-AE97-FBBB5B7A7576}">
+  <ds:schemaRefs>
+    <ds:schemaRef ds:uri="http://schemas.microsoft.com/VisualStudio/2011/storyboarding/control"/>
+  </ds:schemaRefs>
+</ds:datastoreItem>
+</file>
+
+<file path=customXml/itemProps44.xml><?xml version="1.0" encoding="utf-8"?>
+<ds:datastoreItem xmlns:ds="http://schemas.openxmlformats.org/officeDocument/2006/customXml" ds:itemID="{A2979ACC-4D08-442E-A59C-CD02F963F088}">
+  <ds:schemaRefs>
+    <ds:schemaRef ds:uri="http://schemas.microsoft.com/VisualStudio/2011/storyboarding/control"/>
+  </ds:schemaRefs>
+</ds:datastoreItem>
+</file>
+
+<file path=customXml/itemProps45.xml><?xml version="1.0" encoding="utf-8"?>
+<ds:datastoreItem xmlns:ds="http://schemas.openxmlformats.org/officeDocument/2006/customXml" ds:itemID="{21127576-5001-4C22-9707-FC73D3438783}">
+  <ds:schemaRefs>
+    <ds:schemaRef ds:uri="http://schemas.microsoft.com/VisualStudio/2011/storyboarding/control"/>
+  </ds:schemaRefs>
+</ds:datastoreItem>
+</file>
+
+<file path=customXml/itemProps46.xml><?xml version="1.0" encoding="utf-8"?>
+<ds:datastoreItem xmlns:ds="http://schemas.openxmlformats.org/officeDocument/2006/customXml" ds:itemID="{C89A5B8A-D962-4A0B-B55A-30B868FA718E}">
+  <ds:schemaRefs>
+    <ds:schemaRef ds:uri="http://schemas.microsoft.com/VisualStudio/2011/storyboarding/control"/>
+  </ds:schemaRefs>
+</ds:datastoreItem>
+</file>
+
+<file path=customXml/itemProps47.xml><?xml version="1.0" encoding="utf-8"?>
+<ds:datastoreItem xmlns:ds="http://schemas.openxmlformats.org/officeDocument/2006/customXml" ds:itemID="{BBDA6BA9-36D3-4CAD-AFB8-D7CA7895F196}">
+  <ds:schemaRefs>
+    <ds:schemaRef ds:uri="http://schemas.microsoft.com/VisualStudio/2011/storyboarding/control"/>
+  </ds:schemaRefs>
+</ds:datastoreItem>
+</file>
+
+<file path=customXml/itemProps48.xml><?xml version="1.0" encoding="utf-8"?>
+<ds:datastoreItem xmlns:ds="http://schemas.openxmlformats.org/officeDocument/2006/customXml" ds:itemID="{E336889B-6CE1-43F1-A86F-53F87E3988D1}">
+  <ds:schemaRefs>
+    <ds:schemaRef ds:uri="http://schemas.microsoft.com/VisualStudio/2011/storyboarding/control"/>
+  </ds:schemaRefs>
+</ds:datastoreItem>
+</file>
+
+<file path=customXml/itemProps49.xml><?xml version="1.0" encoding="utf-8"?>
+<ds:datastoreItem xmlns:ds="http://schemas.openxmlformats.org/officeDocument/2006/customXml" ds:itemID="{3F9B0FE9-2714-4457-8491-D1C220868117}">
+  <ds:schemaRefs>
+    <ds:schemaRef ds:uri="http://schemas.microsoft.com/VisualStudio/2011/storyboarding/control"/>
+  </ds:schemaRefs>
+</ds:datastoreItem>
+</file>
+
+<file path=customXml/itemProps5.xml><?xml version="1.0" encoding="utf-8"?>
+<ds:datastoreItem xmlns:ds="http://schemas.openxmlformats.org/officeDocument/2006/customXml" ds:itemID="{617250DC-C9A9-4C3E-9ACD-37072BAA29BD}">
+  <ds:schemaRefs>
+    <ds:schemaRef ds:uri="http://schemas.microsoft.com/VisualStudio/2011/storyboarding/control"/>
+  </ds:schemaRefs>
+</ds:datastoreItem>
+</file>
+
+<file path=customXml/itemProps50.xml><?xml version="1.0" encoding="utf-8"?>
 <ds:datastoreItem xmlns:ds="http://schemas.openxmlformats.org/officeDocument/2006/customXml" ds:itemID="{3A901AD5-AEA0-43F3-BBCF-FFBBE913BB26}">
   <ds:schemaRefs>
     <ds:schemaRef ds:uri="http://schemas.microsoft.com/VisualStudio/2011/storyboarding/control"/>
@@ -13822,320 +16037,16 @@
 </ds:datastoreItem>
 </file>
 
-<file path=customXml/itemProps17.xml><?xml version="1.0" encoding="utf-8"?>
-<ds:datastoreItem xmlns:ds="http://schemas.openxmlformats.org/officeDocument/2006/customXml" ds:itemID="{35927EF4-B755-4DD8-84A0-20CC98D45DED}">
+<file path=customXml/itemProps51.xml><?xml version="1.0" encoding="utf-8"?>
+<ds:datastoreItem xmlns:ds="http://schemas.openxmlformats.org/officeDocument/2006/customXml" ds:itemID="{B5B1C134-B775-4E14-A555-52381B1B5628}">
   <ds:schemaRefs>
     <ds:schemaRef ds:uri="http://schemas.microsoft.com/VisualStudio/2011/storyboarding/control"/>
   </ds:schemaRefs>
 </ds:datastoreItem>
 </file>
 
-<file path=customXml/itemProps18.xml><?xml version="1.0" encoding="utf-8"?>
-<ds:datastoreItem xmlns:ds="http://schemas.openxmlformats.org/officeDocument/2006/customXml" ds:itemID="{0B440270-F481-40D1-BD9B-90E29B28E700}">
-  <ds:schemaRefs>
-    <ds:schemaRef ds:uri="http://schemas.microsoft.com/VisualStudio/2011/storyboarding/control"/>
-  </ds:schemaRefs>
-</ds:datastoreItem>
-</file>
-
-<file path=customXml/itemProps19.xml><?xml version="1.0" encoding="utf-8"?>
-<ds:datastoreItem xmlns:ds="http://schemas.openxmlformats.org/officeDocument/2006/customXml" ds:itemID="{AB0D387D-59CB-4E6F-8575-DFF8CB7C2359}">
-  <ds:schemaRefs>
-    <ds:schemaRef ds:uri="http://schemas.microsoft.com/VisualStudio/2011/storyboarding/control"/>
-  </ds:schemaRefs>
-</ds:datastoreItem>
-</file>
-
-<file path=customXml/itemProps2.xml><?xml version="1.0" encoding="utf-8"?>
-<ds:datastoreItem xmlns:ds="http://schemas.openxmlformats.org/officeDocument/2006/customXml" ds:itemID="{E3F9F0D5-CE4D-4555-B9BB-13E0FD480A7B}">
-  <ds:schemaRefs>
-    <ds:schemaRef ds:uri="http://schemas.microsoft.com/VisualStudio/2011/storyboarding/control"/>
-  </ds:schemaRefs>
-</ds:datastoreItem>
-</file>
-
-<file path=customXml/itemProps20.xml><?xml version="1.0" encoding="utf-8"?>
-<ds:datastoreItem xmlns:ds="http://schemas.openxmlformats.org/officeDocument/2006/customXml" ds:itemID="{54C9C601-2248-4B70-B3E6-2C86C638918F}">
-  <ds:schemaRefs>
-    <ds:schemaRef ds:uri="http://schemas.microsoft.com/VisualStudio/2011/storyboarding/control"/>
-  </ds:schemaRefs>
-</ds:datastoreItem>
-</file>
-
-<file path=customXml/itemProps21.xml><?xml version="1.0" encoding="utf-8"?>
-<ds:datastoreItem xmlns:ds="http://schemas.openxmlformats.org/officeDocument/2006/customXml" ds:itemID="{61D08A6A-A614-4948-8A10-BE43B5383852}">
-  <ds:schemaRefs>
-    <ds:schemaRef ds:uri="http://schemas.microsoft.com/VisualStudio/2011/storyboarding/control"/>
-  </ds:schemaRefs>
-</ds:datastoreItem>
-</file>
-
-<file path=customXml/itemProps22.xml><?xml version="1.0" encoding="utf-8"?>
-<ds:datastoreItem xmlns:ds="http://schemas.openxmlformats.org/officeDocument/2006/customXml" ds:itemID="{6B877668-8445-4405-834C-08814435371A}">
-  <ds:schemaRefs>
-    <ds:schemaRef ds:uri="http://schemas.microsoft.com/VisualStudio/2011/storyboarding/control"/>
-  </ds:schemaRefs>
-</ds:datastoreItem>
-</file>
-
-<file path=customXml/itemProps23.xml><?xml version="1.0" encoding="utf-8"?>
-<ds:datastoreItem xmlns:ds="http://schemas.openxmlformats.org/officeDocument/2006/customXml" ds:itemID="{77EE2644-71C0-499C-8B5D-93C6C937876B}">
-  <ds:schemaRefs>
-    <ds:schemaRef ds:uri="http://schemas.microsoft.com/VisualStudio/2011/storyboarding/control"/>
-  </ds:schemaRefs>
-</ds:datastoreItem>
-</file>
-
-<file path=customXml/itemProps24.xml><?xml version="1.0" encoding="utf-8"?>
-<ds:datastoreItem xmlns:ds="http://schemas.openxmlformats.org/officeDocument/2006/customXml" ds:itemID="{D46D0DCD-BC28-4A08-817B-2A1F37B85258}">
-  <ds:schemaRefs>
-    <ds:schemaRef ds:uri="http://schemas.microsoft.com/VisualStudio/2011/storyboarding/control"/>
-  </ds:schemaRefs>
-</ds:datastoreItem>
-</file>
-
-<file path=customXml/itemProps25.xml><?xml version="1.0" encoding="utf-8"?>
-<ds:datastoreItem xmlns:ds="http://schemas.openxmlformats.org/officeDocument/2006/customXml" ds:itemID="{93B9FD15-193D-49AE-863C-0B4F12EB26A0}">
-  <ds:schemaRefs>
-    <ds:schemaRef ds:uri="http://schemas.microsoft.com/VisualStudio/2011/storyboarding/control"/>
-  </ds:schemaRefs>
-</ds:datastoreItem>
-</file>
-
-<file path=customXml/itemProps26.xml><?xml version="1.0" encoding="utf-8"?>
-<ds:datastoreItem xmlns:ds="http://schemas.openxmlformats.org/officeDocument/2006/customXml" ds:itemID="{3F9B0FE9-2714-4457-8491-D1C220868117}">
-  <ds:schemaRefs>
-    <ds:schemaRef ds:uri="http://schemas.microsoft.com/VisualStudio/2011/storyboarding/control"/>
-  </ds:schemaRefs>
-</ds:datastoreItem>
-</file>
-
-<file path=customXml/itemProps27.xml><?xml version="1.0" encoding="utf-8"?>
-<ds:datastoreItem xmlns:ds="http://schemas.openxmlformats.org/officeDocument/2006/customXml" ds:itemID="{A06AE3E6-A3B0-4E4B-9EC9-A799584BC500}">
-  <ds:schemaRefs>
-    <ds:schemaRef ds:uri="http://schemas.microsoft.com/VisualStudio/2011/storyboarding/control"/>
-  </ds:schemaRefs>
-</ds:datastoreItem>
-</file>
-
-<file path=customXml/itemProps28.xml><?xml version="1.0" encoding="utf-8"?>
-<ds:datastoreItem xmlns:ds="http://schemas.openxmlformats.org/officeDocument/2006/customXml" ds:itemID="{62AF5A15-E482-4F4C-9880-F5E4470229D2}">
-  <ds:schemaRefs>
-    <ds:schemaRef ds:uri="http://schemas.microsoft.com/VisualStudio/2011/storyboarding/control"/>
-  </ds:schemaRefs>
-</ds:datastoreItem>
-</file>
-
-<file path=customXml/itemProps29.xml><?xml version="1.0" encoding="utf-8"?>
-<ds:datastoreItem xmlns:ds="http://schemas.openxmlformats.org/officeDocument/2006/customXml" ds:itemID="{F3CE18EA-39C2-438B-B32D-C971EAC69635}">
-  <ds:schemaRefs>
-    <ds:schemaRef ds:uri="http://schemas.microsoft.com/VisualStudio/2011/storyboarding/control"/>
-  </ds:schemaRefs>
-</ds:datastoreItem>
-</file>
-
-<file path=customXml/itemProps3.xml><?xml version="1.0" encoding="utf-8"?>
-<ds:datastoreItem xmlns:ds="http://schemas.openxmlformats.org/officeDocument/2006/customXml" ds:itemID="{FB30DAF4-7E37-450D-9E21-EE3BE7CA2ABE}">
-  <ds:schemaRefs>
-    <ds:schemaRef ds:uri="http://schemas.microsoft.com/VisualStudio/2011/storyboarding/control"/>
-  </ds:schemaRefs>
-</ds:datastoreItem>
-</file>
-
-<file path=customXml/itemProps30.xml><?xml version="1.0" encoding="utf-8"?>
-<ds:datastoreItem xmlns:ds="http://schemas.openxmlformats.org/officeDocument/2006/customXml" ds:itemID="{B21DC6E4-D970-4784-8A10-0BAC04D619AE}">
-  <ds:schemaRefs>
-    <ds:schemaRef ds:uri="http://schemas.microsoft.com/VisualStudio/2011/storyboarding/control"/>
-  </ds:schemaRefs>
-</ds:datastoreItem>
-</file>
-
-<file path=customXml/itemProps31.xml><?xml version="1.0" encoding="utf-8"?>
-<ds:datastoreItem xmlns:ds="http://schemas.openxmlformats.org/officeDocument/2006/customXml" ds:itemID="{F9121E45-C1FE-4DD3-85BB-1C508B13047D}">
-  <ds:schemaRefs>
-    <ds:schemaRef ds:uri="http://schemas.microsoft.com/VisualStudio/2011/storyboarding/control"/>
-  </ds:schemaRefs>
-</ds:datastoreItem>
-</file>
-
-<file path=customXml/itemProps32.xml><?xml version="1.0" encoding="utf-8"?>
-<ds:datastoreItem xmlns:ds="http://schemas.openxmlformats.org/officeDocument/2006/customXml" ds:itemID="{E314332F-C6FA-4977-9620-8DAF915C62B5}">
-  <ds:schemaRefs>
-    <ds:schemaRef ds:uri="http://schemas.microsoft.com/VisualStudio/2011/storyboarding/control"/>
-  </ds:schemaRefs>
-</ds:datastoreItem>
-</file>
-
-<file path=customXml/itemProps33.xml><?xml version="1.0" encoding="utf-8"?>
-<ds:datastoreItem xmlns:ds="http://schemas.openxmlformats.org/officeDocument/2006/customXml" ds:itemID="{6ABE2D1E-8CA4-429E-9F96-718AB417354A}">
-  <ds:schemaRefs>
-    <ds:schemaRef ds:uri="http://schemas.microsoft.com/VisualStudio/2011/storyboarding/control"/>
-  </ds:schemaRefs>
-</ds:datastoreItem>
-</file>
-
-<file path=customXml/itemProps34.xml><?xml version="1.0" encoding="utf-8"?>
-<ds:datastoreItem xmlns:ds="http://schemas.openxmlformats.org/officeDocument/2006/customXml" ds:itemID="{330B8CA9-4230-4473-BCAC-7C3D77BF983E}">
-  <ds:schemaRefs>
-    <ds:schemaRef ds:uri="http://schemas.microsoft.com/VisualStudio/2011/storyboarding/control"/>
-  </ds:schemaRefs>
-</ds:datastoreItem>
-</file>
-
-<file path=customXml/itemProps35.xml><?xml version="1.0" encoding="utf-8"?>
-<ds:datastoreItem xmlns:ds="http://schemas.openxmlformats.org/officeDocument/2006/customXml" ds:itemID="{BBDA6BA9-36D3-4CAD-AFB8-D7CA7895F196}">
-  <ds:schemaRefs>
-    <ds:schemaRef ds:uri="http://schemas.microsoft.com/VisualStudio/2011/storyboarding/control"/>
-  </ds:schemaRefs>
-</ds:datastoreItem>
-</file>
-
-<file path=customXml/itemProps36.xml><?xml version="1.0" encoding="utf-8"?>
-<ds:datastoreItem xmlns:ds="http://schemas.openxmlformats.org/officeDocument/2006/customXml" ds:itemID="{7601F466-1207-4C92-A65C-D139C28523B0}">
-  <ds:schemaRefs>
-    <ds:schemaRef ds:uri="http://schemas.microsoft.com/VisualStudio/2011/storyboarding/control"/>
-  </ds:schemaRefs>
-</ds:datastoreItem>
-</file>
-
-<file path=customXml/itemProps37.xml><?xml version="1.0" encoding="utf-8"?>
-<ds:datastoreItem xmlns:ds="http://schemas.openxmlformats.org/officeDocument/2006/customXml" ds:itemID="{E1A850D4-789D-4977-B27C-F36BC9A76DC0}">
-  <ds:schemaRefs>
-    <ds:schemaRef ds:uri="http://schemas.microsoft.com/VisualStudio/2011/storyboarding/control"/>
-  </ds:schemaRefs>
-</ds:datastoreItem>
-</file>
-
-<file path=customXml/itemProps38.xml><?xml version="1.0" encoding="utf-8"?>
-<ds:datastoreItem xmlns:ds="http://schemas.openxmlformats.org/officeDocument/2006/customXml" ds:itemID="{CDA2CAA4-2185-4C21-994E-6D205B10034A}">
-  <ds:schemaRefs>
-    <ds:schemaRef ds:uri="http://schemas.microsoft.com/VisualStudio/2011/storyboarding/control"/>
-  </ds:schemaRefs>
-</ds:datastoreItem>
-</file>
-
-<file path=customXml/itemProps39.xml><?xml version="1.0" encoding="utf-8"?>
-<ds:datastoreItem xmlns:ds="http://schemas.openxmlformats.org/officeDocument/2006/customXml" ds:itemID="{D1A008DE-31E4-4FF5-80CF-67D520FDBEB8}">
-  <ds:schemaRefs>
-    <ds:schemaRef ds:uri="http://schemas.microsoft.com/VisualStudio/2011/storyboarding/control"/>
-  </ds:schemaRefs>
-</ds:datastoreItem>
-</file>
-
-<file path=customXml/itemProps4.xml><?xml version="1.0" encoding="utf-8"?>
-<ds:datastoreItem xmlns:ds="http://schemas.openxmlformats.org/officeDocument/2006/customXml" ds:itemID="{20AAA685-7C9B-4F8D-A708-3B35EE8683C4}">
-  <ds:schemaRefs>
-    <ds:schemaRef ds:uri="http://schemas.microsoft.com/VisualStudio/2011/storyboarding/control"/>
-  </ds:schemaRefs>
-</ds:datastoreItem>
-</file>
-
-<file path=customXml/itemProps40.xml><?xml version="1.0" encoding="utf-8"?>
-<ds:datastoreItem xmlns:ds="http://schemas.openxmlformats.org/officeDocument/2006/customXml" ds:itemID="{C87EB272-06E0-459A-82C7-1314C191C0B6}">
-  <ds:schemaRefs>
-    <ds:schemaRef ds:uri="http://schemas.microsoft.com/VisualStudio/2011/storyboarding/control"/>
-  </ds:schemaRefs>
-</ds:datastoreItem>
-</file>
-
-<file path=customXml/itemProps41.xml><?xml version="1.0" encoding="utf-8"?>
-<ds:datastoreItem xmlns:ds="http://schemas.openxmlformats.org/officeDocument/2006/customXml" ds:itemID="{B34E3E29-D5FA-4513-BA7B-1A0A9A19137B}">
-  <ds:schemaRefs>
-    <ds:schemaRef ds:uri="http://schemas.microsoft.com/VisualStudio/2011/storyboarding/control"/>
-  </ds:schemaRefs>
-</ds:datastoreItem>
-</file>
-
-<file path=customXml/itemProps42.xml><?xml version="1.0" encoding="utf-8"?>
-<ds:datastoreItem xmlns:ds="http://schemas.openxmlformats.org/officeDocument/2006/customXml" ds:itemID="{661B03C4-4329-4755-8735-C0B135AAB281}">
-  <ds:schemaRefs>
-    <ds:schemaRef ds:uri="http://schemas.microsoft.com/VisualStudio/2011/storyboarding/control"/>
-  </ds:schemaRefs>
-</ds:datastoreItem>
-</file>
-
-<file path=customXml/itemProps43.xml><?xml version="1.0" encoding="utf-8"?>
-<ds:datastoreItem xmlns:ds="http://schemas.openxmlformats.org/officeDocument/2006/customXml" ds:itemID="{052A9492-BDFD-43D7-B693-A5377D9721CE}">
-  <ds:schemaRefs>
-    <ds:schemaRef ds:uri="http://schemas.microsoft.com/VisualStudio/2011/storyboarding/control"/>
-  </ds:schemaRefs>
-</ds:datastoreItem>
-</file>
-
-<file path=customXml/itemProps44.xml><?xml version="1.0" encoding="utf-8"?>
-<ds:datastoreItem xmlns:ds="http://schemas.openxmlformats.org/officeDocument/2006/customXml" ds:itemID="{CD55D313-E71C-4DE1-969E-D5A530941263}">
-  <ds:schemaRefs>
-    <ds:schemaRef ds:uri="http://schemas.microsoft.com/VisualStudio/2011/storyboarding/control"/>
-  </ds:schemaRefs>
-</ds:datastoreItem>
-</file>
-
-<file path=customXml/itemProps45.xml><?xml version="1.0" encoding="utf-8"?>
-<ds:datastoreItem xmlns:ds="http://schemas.openxmlformats.org/officeDocument/2006/customXml" ds:itemID="{59AE3559-814B-4D4B-B63D-3DD4F1AA27E7}">
-  <ds:schemaRefs>
-    <ds:schemaRef ds:uri="http://schemas.microsoft.com/VisualStudio/2011/storyboarding/control"/>
-  </ds:schemaRefs>
-</ds:datastoreItem>
-</file>
-
-<file path=customXml/itemProps46.xml><?xml version="1.0" encoding="utf-8"?>
-<ds:datastoreItem xmlns:ds="http://schemas.openxmlformats.org/officeDocument/2006/customXml" ds:itemID="{CC201B58-BD57-4948-B64E-2D80999AA5A6}">
-  <ds:schemaRefs>
-    <ds:schemaRef ds:uri="http://schemas.microsoft.com/VisualStudio/2011/storyboarding/control"/>
-  </ds:schemaRefs>
-</ds:datastoreItem>
-</file>
-
-<file path=customXml/itemProps47.xml><?xml version="1.0" encoding="utf-8"?>
-<ds:datastoreItem xmlns:ds="http://schemas.openxmlformats.org/officeDocument/2006/customXml" ds:itemID="{4C066206-967A-4E2F-B2BC-700D45A7A49E}">
-  <ds:schemaRefs>
-    <ds:schemaRef ds:uri="http://schemas.microsoft.com/VisualStudio/2011/storyboarding/control"/>
-  </ds:schemaRefs>
-</ds:datastoreItem>
-</file>
-
-<file path=customXml/itemProps48.xml><?xml version="1.0" encoding="utf-8"?>
-<ds:datastoreItem xmlns:ds="http://schemas.openxmlformats.org/officeDocument/2006/customXml" ds:itemID="{CB2DCD38-F42C-45AF-ACE5-620397D625D2}">
-  <ds:schemaRefs>
-    <ds:schemaRef ds:uri="http://schemas.microsoft.com/VisualStudio/2011/storyboarding/control"/>
-  </ds:schemaRefs>
-</ds:datastoreItem>
-</file>
-
-<file path=customXml/itemProps49.xml><?xml version="1.0" encoding="utf-8"?>
-<ds:datastoreItem xmlns:ds="http://schemas.openxmlformats.org/officeDocument/2006/customXml" ds:itemID="{71CE3ECC-8818-4F6B-BB75-4B67590622CB}">
-  <ds:schemaRefs>
-    <ds:schemaRef ds:uri="http://schemas.microsoft.com/VisualStudio/2011/storyboarding/control"/>
-  </ds:schemaRefs>
-</ds:datastoreItem>
-</file>
-
-<file path=customXml/itemProps5.xml><?xml version="1.0" encoding="utf-8"?>
-<ds:datastoreItem xmlns:ds="http://schemas.openxmlformats.org/officeDocument/2006/customXml" ds:itemID="{BE387CF0-C57B-4EA8-97A4-F65E05EA5F35}">
-  <ds:schemaRefs>
-    <ds:schemaRef ds:uri="http://schemas.microsoft.com/VisualStudio/2011/storyboarding/control"/>
-  </ds:schemaRefs>
-</ds:datastoreItem>
-</file>
-
-<file path=customXml/itemProps50.xml><?xml version="1.0" encoding="utf-8"?>
-<ds:datastoreItem xmlns:ds="http://schemas.openxmlformats.org/officeDocument/2006/customXml" ds:itemID="{A2979ACC-4D08-442E-A59C-CD02F963F088}">
-  <ds:schemaRefs>
-    <ds:schemaRef ds:uri="http://schemas.microsoft.com/VisualStudio/2011/storyboarding/control"/>
-  </ds:schemaRefs>
-</ds:datastoreItem>
-</file>
-
-<file path=customXml/itemProps51.xml><?xml version="1.0" encoding="utf-8"?>
-<ds:datastoreItem xmlns:ds="http://schemas.openxmlformats.org/officeDocument/2006/customXml" ds:itemID="{3879191E-6701-4639-9F16-04CADCAF74AD}">
-  <ds:schemaRefs>
-    <ds:schemaRef ds:uri="http://schemas.microsoft.com/VisualStudio/2011/storyboarding/control"/>
-  </ds:schemaRefs>
-</ds:datastoreItem>
-</file>
-
 <file path=customXml/itemProps52.xml><?xml version="1.0" encoding="utf-8"?>
-<ds:datastoreItem xmlns:ds="http://schemas.openxmlformats.org/officeDocument/2006/customXml" ds:itemID="{B7A42A73-2EA0-4A32-9DBB-22DE93D4B369}">
+<ds:datastoreItem xmlns:ds="http://schemas.openxmlformats.org/officeDocument/2006/customXml" ds:itemID="{0E797C55-3475-4361-AC1C-C9115F55ABD3}">
   <ds:schemaRefs>
     <ds:schemaRef ds:uri="http://schemas.microsoft.com/VisualStudio/2011/storyboarding/control"/>
   </ds:schemaRefs>
@@ -14151,7 +16062,7 @@
 </file>
 
 <file path=customXml/itemProps54.xml><?xml version="1.0" encoding="utf-8"?>
-<ds:datastoreItem xmlns:ds="http://schemas.openxmlformats.org/officeDocument/2006/customXml" ds:itemID="{2A06D458-D162-41CD-BD8C-65B78E699FDE}">
+<ds:datastoreItem xmlns:ds="http://schemas.openxmlformats.org/officeDocument/2006/customXml" ds:itemID="{D94C8D40-AF2E-4EC9-9ACB-0DEF0186534C}">
   <ds:schemaRefs>
     <ds:schemaRef ds:uri="http://schemas.microsoft.com/VisualStudio/2011/storyboarding/control"/>
   </ds:schemaRefs>
@@ -14159,6 +16070,174 @@
 </file>
 
 <file path=customXml/itemProps55.xml><?xml version="1.0" encoding="utf-8"?>
+<ds:datastoreItem xmlns:ds="http://schemas.openxmlformats.org/officeDocument/2006/customXml" ds:itemID="{CB2DCD38-F42C-45AF-ACE5-620397D625D2}">
+  <ds:schemaRefs>
+    <ds:schemaRef ds:uri="http://schemas.microsoft.com/VisualStudio/2011/storyboarding/control"/>
+  </ds:schemaRefs>
+</ds:datastoreItem>
+</file>
+
+<file path=customXml/itemProps56.xml><?xml version="1.0" encoding="utf-8"?>
+<ds:datastoreItem xmlns:ds="http://schemas.openxmlformats.org/officeDocument/2006/customXml" ds:itemID="{10699EA8-5A0E-4900-BEA7-150FA3DE6453}">
+  <ds:schemaRefs>
+    <ds:schemaRef ds:uri="http://schemas.microsoft.com/VisualStudio/2011/storyboarding/control"/>
+  </ds:schemaRefs>
+</ds:datastoreItem>
+</file>
+
+<file path=customXml/itemProps57.xml><?xml version="1.0" encoding="utf-8"?>
+<ds:datastoreItem xmlns:ds="http://schemas.openxmlformats.org/officeDocument/2006/customXml" ds:itemID="{62AF5A15-E482-4F4C-9880-F5E4470229D2}">
+  <ds:schemaRefs>
+    <ds:schemaRef ds:uri="http://schemas.microsoft.com/VisualStudio/2011/storyboarding/control"/>
+  </ds:schemaRefs>
+</ds:datastoreItem>
+</file>
+
+<file path=customXml/itemProps58.xml><?xml version="1.0" encoding="utf-8"?>
+<ds:datastoreItem xmlns:ds="http://schemas.openxmlformats.org/officeDocument/2006/customXml" ds:itemID="{F5EE6137-2C27-4720-9541-1248F3087DE7}">
+  <ds:schemaRefs>
+    <ds:schemaRef ds:uri="http://schemas.microsoft.com/VisualStudio/2011/storyboarding/control"/>
+  </ds:schemaRefs>
+</ds:datastoreItem>
+</file>
+
+<file path=customXml/itemProps59.xml><?xml version="1.0" encoding="utf-8"?>
+<ds:datastoreItem xmlns:ds="http://schemas.openxmlformats.org/officeDocument/2006/customXml" ds:itemID="{60983818-37F0-4FA3-B8B5-C6BEA12D3CB6}">
+  <ds:schemaRefs>
+    <ds:schemaRef ds:uri="http://schemas.microsoft.com/VisualStudio/2011/storyboarding/control"/>
+  </ds:schemaRefs>
+</ds:datastoreItem>
+</file>
+
+<file path=customXml/itemProps6.xml><?xml version="1.0" encoding="utf-8"?>
+<ds:datastoreItem xmlns:ds="http://schemas.openxmlformats.org/officeDocument/2006/customXml" ds:itemID="{D1A008DE-31E4-4FF5-80CF-67D520FDBEB8}">
+  <ds:schemaRefs>
+    <ds:schemaRef ds:uri="http://schemas.microsoft.com/VisualStudio/2011/storyboarding/control"/>
+  </ds:schemaRefs>
+</ds:datastoreItem>
+</file>
+
+<file path=customXml/itemProps60.xml><?xml version="1.0" encoding="utf-8"?>
+<ds:datastoreItem xmlns:ds="http://schemas.openxmlformats.org/officeDocument/2006/customXml" ds:itemID="{43EFC07F-82D7-4598-940D-A844EB318ECF}">
+  <ds:schemaRefs>
+    <ds:schemaRef ds:uri="http://schemas.microsoft.com/VisualStudio/2011/storyboarding/control"/>
+  </ds:schemaRefs>
+</ds:datastoreItem>
+</file>
+
+<file path=customXml/itemProps61.xml><?xml version="1.0" encoding="utf-8"?>
+<ds:datastoreItem xmlns:ds="http://schemas.openxmlformats.org/officeDocument/2006/customXml" ds:itemID="{0993A915-5B46-4319-94F9-5568E6B3D1B9}">
+  <ds:schemaRefs>
+    <ds:schemaRef ds:uri="http://schemas.microsoft.com/VisualStudio/2011/storyboarding/control"/>
+  </ds:schemaRefs>
+</ds:datastoreItem>
+</file>
+
+<file path=customXml/itemProps62.xml><?xml version="1.0" encoding="utf-8"?>
+<ds:datastoreItem xmlns:ds="http://schemas.openxmlformats.org/officeDocument/2006/customXml" ds:itemID="{67B59615-EE21-4FF8-931E-E41A0E6F3BDE}">
+  <ds:schemaRefs>
+    <ds:schemaRef ds:uri="http://schemas.microsoft.com/VisualStudio/2011/storyboarding/control"/>
+  </ds:schemaRefs>
+</ds:datastoreItem>
+</file>
+
+<file path=customXml/itemProps63.xml><?xml version="1.0" encoding="utf-8"?>
+<ds:datastoreItem xmlns:ds="http://schemas.openxmlformats.org/officeDocument/2006/customXml" ds:itemID="{CA57BE34-DCC3-4D24-9D29-F4E3934146BF}">
+  <ds:schemaRefs>
+    <ds:schemaRef ds:uri="http://schemas.microsoft.com/VisualStudio/2011/storyboarding/control"/>
+  </ds:schemaRefs>
+</ds:datastoreItem>
+</file>
+
+<file path=customXml/itemProps64.xml><?xml version="1.0" encoding="utf-8"?>
+<ds:datastoreItem xmlns:ds="http://schemas.openxmlformats.org/officeDocument/2006/customXml" ds:itemID="{978B7DA0-3EE5-49A1-B8D1-18B1D4497CE3}">
+  <ds:schemaRefs>
+    <ds:schemaRef ds:uri="http://schemas.microsoft.com/VisualStudio/2011/storyboarding/control"/>
+  </ds:schemaRefs>
+</ds:datastoreItem>
+</file>
+
+<file path=customXml/itemProps65.xml><?xml version="1.0" encoding="utf-8"?>
+<ds:datastoreItem xmlns:ds="http://schemas.openxmlformats.org/officeDocument/2006/customXml" ds:itemID="{C976B2A7-2813-49BF-B0B0-524EB52CF4C1}">
+  <ds:schemaRefs>
+    <ds:schemaRef ds:uri="http://schemas.microsoft.com/VisualStudio/2011/storyboarding/control"/>
+  </ds:schemaRefs>
+</ds:datastoreItem>
+</file>
+
+<file path=customXml/itemProps66.xml><?xml version="1.0" encoding="utf-8"?>
+<ds:datastoreItem xmlns:ds="http://schemas.openxmlformats.org/officeDocument/2006/customXml" ds:itemID="{7436928D-EF54-4BC4-865F-8F195E33AE00}">
+  <ds:schemaRefs>
+    <ds:schemaRef ds:uri="http://schemas.microsoft.com/VisualStudio/2011/storyboarding/control"/>
+  </ds:schemaRefs>
+</ds:datastoreItem>
+</file>
+
+<file path=customXml/itemProps67.xml><?xml version="1.0" encoding="utf-8"?>
+<ds:datastoreItem xmlns:ds="http://schemas.openxmlformats.org/officeDocument/2006/customXml" ds:itemID="{E314332F-C6FA-4977-9620-8DAF915C62B5}">
+  <ds:schemaRefs>
+    <ds:schemaRef ds:uri="http://schemas.microsoft.com/VisualStudio/2011/storyboarding/control"/>
+  </ds:schemaRefs>
+</ds:datastoreItem>
+</file>
+
+<file path=customXml/itemProps68.xml><?xml version="1.0" encoding="utf-8"?>
+<ds:datastoreItem xmlns:ds="http://schemas.openxmlformats.org/officeDocument/2006/customXml" ds:itemID="{1B70BE2C-3C75-4238-AEB9-43D0F039D838}">
+  <ds:schemaRefs>
+    <ds:schemaRef ds:uri="http://schemas.microsoft.com/VisualStudio/2011/storyboarding/control"/>
+  </ds:schemaRefs>
+</ds:datastoreItem>
+</file>
+
+<file path=customXml/itemProps69.xml><?xml version="1.0" encoding="utf-8"?>
+<ds:datastoreItem xmlns:ds="http://schemas.openxmlformats.org/officeDocument/2006/customXml" ds:itemID="{33C221F5-8EA1-4416-8C93-BE449D2287DA}">
+  <ds:schemaRefs>
+    <ds:schemaRef ds:uri="http://schemas.microsoft.com/VisualStudio/2011/storyboarding/control"/>
+  </ds:schemaRefs>
+</ds:datastoreItem>
+</file>
+
+<file path=customXml/itemProps7.xml><?xml version="1.0" encoding="utf-8"?>
+<ds:datastoreItem xmlns:ds="http://schemas.openxmlformats.org/officeDocument/2006/customXml" ds:itemID="{F55D74E3-6233-4741-9C32-4B4F31A3E3DA}">
+  <ds:schemaRefs>
+    <ds:schemaRef ds:uri="http://schemas.microsoft.com/VisualStudio/2011/storyboarding/control"/>
+  </ds:schemaRefs>
+</ds:datastoreItem>
+</file>
+
+<file path=customXml/itemProps70.xml><?xml version="1.0" encoding="utf-8"?>
+<ds:datastoreItem xmlns:ds="http://schemas.openxmlformats.org/officeDocument/2006/customXml" ds:itemID="{7601F466-1207-4C92-A65C-D139C28523B0}">
+  <ds:schemaRefs>
+    <ds:schemaRef ds:uri="http://schemas.microsoft.com/VisualStudio/2011/storyboarding/control"/>
+  </ds:schemaRefs>
+</ds:datastoreItem>
+</file>
+
+<file path=customXml/itemProps71.xml><?xml version="1.0" encoding="utf-8"?>
+<ds:datastoreItem xmlns:ds="http://schemas.openxmlformats.org/officeDocument/2006/customXml" ds:itemID="{CD55D313-E71C-4DE1-969E-D5A530941263}">
+  <ds:schemaRefs>
+    <ds:schemaRef ds:uri="http://schemas.microsoft.com/VisualStudio/2011/storyboarding/control"/>
+  </ds:schemaRefs>
+</ds:datastoreItem>
+</file>
+
+<file path=customXml/itemProps72.xml><?xml version="1.0" encoding="utf-8"?>
+<ds:datastoreItem xmlns:ds="http://schemas.openxmlformats.org/officeDocument/2006/customXml" ds:itemID="{E3F9F0D5-CE4D-4555-B9BB-13E0FD480A7B}">
+  <ds:schemaRefs>
+    <ds:schemaRef ds:uri="http://schemas.microsoft.com/VisualStudio/2011/storyboarding/control"/>
+  </ds:schemaRefs>
+</ds:datastoreItem>
+</file>
+
+<file path=customXml/itemProps73.xml><?xml version="1.0" encoding="utf-8"?>
+<ds:datastoreItem xmlns:ds="http://schemas.openxmlformats.org/officeDocument/2006/customXml" ds:itemID="{61D08A6A-A614-4948-8A10-BE43B5383852}">
+  <ds:schemaRefs>
+    <ds:schemaRef ds:uri="http://schemas.microsoft.com/VisualStudio/2011/storyboarding/control"/>
+  </ds:schemaRefs>
+</ds:datastoreItem>
+</file>
+
+<file path=customXml/itemProps74.xml><?xml version="1.0" encoding="utf-8"?>
 <ds:datastoreItem xmlns:ds="http://schemas.openxmlformats.org/officeDocument/2006/customXml" ds:itemID="{262C5FAE-9C7C-4F39-A989-19841306EA43}">
   <ds:schemaRefs>
     <ds:schemaRef ds:uri="http://schemas.microsoft.com/VisualStudio/2011/storyboarding/control"/>
@@ -14166,7 +16245,47 @@
 </ds:datastoreItem>
 </file>
 
-<file path=customXml/itemProps56.xml><?xml version="1.0" encoding="utf-8"?>
+<file path=customXml/itemProps75.xml><?xml version="1.0" encoding="utf-8"?>
+<ds:datastoreItem xmlns:ds="http://schemas.openxmlformats.org/officeDocument/2006/customXml" ds:itemID="{3879191E-6701-4639-9F16-04CADCAF74AD}">
+  <ds:schemaRefs>
+    <ds:schemaRef ds:uri="http://schemas.microsoft.com/VisualStudio/2011/storyboarding/control"/>
+  </ds:schemaRefs>
+</ds:datastoreItem>
+</file>
+
+<file path=customXml/itemProps76.xml><?xml version="1.0" encoding="utf-8"?>
+<ds:datastoreItem xmlns:ds="http://schemas.openxmlformats.org/officeDocument/2006/customXml" ds:itemID="{35927EF4-B755-4DD8-84A0-20CC98D45DED}">
+  <ds:schemaRefs>
+    <ds:schemaRef ds:uri="http://schemas.microsoft.com/VisualStudio/2011/storyboarding/control"/>
+  </ds:schemaRefs>
+</ds:datastoreItem>
+</file>
+
+<file path=customXml/itemProps77.xml><?xml version="1.0" encoding="utf-8"?>
+<ds:datastoreItem xmlns:ds="http://schemas.openxmlformats.org/officeDocument/2006/customXml" ds:itemID="{7D908F62-D329-46BD-93CC-CF6E60E8F0DF}">
+  <ds:schemaRefs>
+    <ds:schemaRef ds:uri="http://schemas.microsoft.com/VisualStudio/2011/storyboarding/control"/>
+  </ds:schemaRefs>
+</ds:datastoreItem>
+</file>
+
+<file path=customXml/itemProps78.xml><?xml version="1.0" encoding="utf-8"?>
+<ds:datastoreItem xmlns:ds="http://schemas.openxmlformats.org/officeDocument/2006/customXml" ds:itemID="{B5314B62-608A-4327-BFFB-0B4483974FFC}">
+  <ds:schemaRefs>
+    <ds:schemaRef ds:uri="http://schemas.microsoft.com/VisualStudio/2011/storyboarding/control"/>
+  </ds:schemaRefs>
+</ds:datastoreItem>
+</file>
+
+<file path=customXml/itemProps79.xml><?xml version="1.0" encoding="utf-8"?>
+<ds:datastoreItem xmlns:ds="http://schemas.openxmlformats.org/officeDocument/2006/customXml" ds:itemID="{4195F90E-59D5-4B41-9305-67159AF67330}">
+  <ds:schemaRefs>
+    <ds:schemaRef ds:uri="http://schemas.microsoft.com/VisualStudio/2011/storyboarding/control"/>
+  </ds:schemaRefs>
+</ds:datastoreItem>
+</file>
+
+<file path=customXml/itemProps8.xml><?xml version="1.0" encoding="utf-8"?>
 <ds:datastoreItem xmlns:ds="http://schemas.openxmlformats.org/officeDocument/2006/customXml" ds:itemID="{48966F50-13A5-4996-B333-27EEA33E1B65}">
   <ds:schemaRefs>
     <ds:schemaRef ds:uri="http://schemas.microsoft.com/VisualStudio/2011/storyboarding/control"/>
@@ -14174,338 +16293,170 @@
 </ds:datastoreItem>
 </file>
 
-<file path=customXml/itemProps57.xml><?xml version="1.0" encoding="utf-8"?>
+<file path=customXml/itemProps80.xml><?xml version="1.0" encoding="utf-8"?>
+<ds:datastoreItem xmlns:ds="http://schemas.openxmlformats.org/officeDocument/2006/customXml" ds:itemID="{5BA8E854-A098-45BF-B681-C0E56A233130}">
+  <ds:schemaRefs>
+    <ds:schemaRef ds:uri="http://schemas.microsoft.com/VisualStudio/2011/storyboarding/control"/>
+  </ds:schemaRefs>
+</ds:datastoreItem>
+</file>
+
+<file path=customXml/itemProps81.xml><?xml version="1.0" encoding="utf-8"?>
+<ds:datastoreItem xmlns:ds="http://schemas.openxmlformats.org/officeDocument/2006/customXml" ds:itemID="{B21DC6E4-D970-4784-8A10-0BAC04D619AE}">
+  <ds:schemaRefs>
+    <ds:schemaRef ds:uri="http://schemas.microsoft.com/VisualStudio/2011/storyboarding/control"/>
+  </ds:schemaRefs>
+</ds:datastoreItem>
+</file>
+
+<file path=customXml/itemProps82.xml><?xml version="1.0" encoding="utf-8"?>
+<ds:datastoreItem xmlns:ds="http://schemas.openxmlformats.org/officeDocument/2006/customXml" ds:itemID="{5ADD6192-9BC6-405E-A324-6FE63DE877F3}">
+  <ds:schemaRefs>
+    <ds:schemaRef ds:uri="http://schemas.microsoft.com/VisualStudio/2011/storyboarding/control"/>
+  </ds:schemaRefs>
+</ds:datastoreItem>
+</file>
+
+<file path=customXml/itemProps83.xml><?xml version="1.0" encoding="utf-8"?>
+<ds:datastoreItem xmlns:ds="http://schemas.openxmlformats.org/officeDocument/2006/customXml" ds:itemID="{BE387CF0-C57B-4EA8-97A4-F65E05EA5F35}">
+  <ds:schemaRefs>
+    <ds:schemaRef ds:uri="http://schemas.microsoft.com/VisualStudio/2011/storyboarding/control"/>
+  </ds:schemaRefs>
+</ds:datastoreItem>
+</file>
+
+<file path=customXml/itemProps84.xml><?xml version="1.0" encoding="utf-8"?>
+<ds:datastoreItem xmlns:ds="http://schemas.openxmlformats.org/officeDocument/2006/customXml" ds:itemID="{1047FECA-A032-4A55-A04E-722D1A8BCC03}">
+  <ds:schemaRefs>
+    <ds:schemaRef ds:uri="http://schemas.microsoft.com/VisualStudio/2011/storyboarding/control"/>
+  </ds:schemaRefs>
+</ds:datastoreItem>
+</file>
+
+<file path=customXml/itemProps85.xml><?xml version="1.0" encoding="utf-8"?>
+<ds:datastoreItem xmlns:ds="http://schemas.openxmlformats.org/officeDocument/2006/customXml" ds:itemID="{3887F7B3-EE8D-4AAA-A4BD-76F458F99AE4}">
+  <ds:schemaRefs>
+    <ds:schemaRef ds:uri="http://schemas.microsoft.com/VisualStudio/2011/storyboarding/control"/>
+  </ds:schemaRefs>
+</ds:datastoreItem>
+</file>
+
+<file path=customXml/itemProps86.xml><?xml version="1.0" encoding="utf-8"?>
+<ds:datastoreItem xmlns:ds="http://schemas.openxmlformats.org/officeDocument/2006/customXml" ds:itemID="{39AE16A1-D22E-4500-8D74-1D33B267A9C1}">
+  <ds:schemaRefs>
+    <ds:schemaRef ds:uri="http://schemas.microsoft.com/VisualStudio/2011/storyboarding/control"/>
+  </ds:schemaRefs>
+</ds:datastoreItem>
+</file>
+
+<file path=customXml/itemProps87.xml><?xml version="1.0" encoding="utf-8"?>
+<ds:datastoreItem xmlns:ds="http://schemas.openxmlformats.org/officeDocument/2006/customXml" ds:itemID="{A98657C0-E092-4C73-9BDE-DD0D0BD9E776}">
+  <ds:schemaRefs>
+    <ds:schemaRef ds:uri="http://schemas.microsoft.com/VisualStudio/2011/storyboarding/control"/>
+  </ds:schemaRefs>
+</ds:datastoreItem>
+</file>
+
+<file path=customXml/itemProps88.xml><?xml version="1.0" encoding="utf-8"?>
+<ds:datastoreItem xmlns:ds="http://schemas.openxmlformats.org/officeDocument/2006/customXml" ds:itemID="{E1A850D4-789D-4977-B27C-F36BC9A76DC0}">
+  <ds:schemaRefs>
+    <ds:schemaRef ds:uri="http://schemas.microsoft.com/VisualStudio/2011/storyboarding/control"/>
+  </ds:schemaRefs>
+</ds:datastoreItem>
+</file>
+
+<file path=customXml/itemProps89.xml><?xml version="1.0" encoding="utf-8"?>
+<ds:datastoreItem xmlns:ds="http://schemas.openxmlformats.org/officeDocument/2006/customXml" ds:itemID="{9F43CD08-2CA5-4B38-A77D-E1FE7B647939}">
+  <ds:schemaRefs>
+    <ds:schemaRef ds:uri="http://schemas.microsoft.com/VisualStudio/2011/storyboarding/control"/>
+  </ds:schemaRefs>
+</ds:datastoreItem>
+</file>
+
+<file path=customXml/itemProps9.xml><?xml version="1.0" encoding="utf-8"?>
+<ds:datastoreItem xmlns:ds="http://schemas.openxmlformats.org/officeDocument/2006/customXml" ds:itemID="{73F85418-566C-4F1F-B4E8-80355C70E396}">
+  <ds:schemaRefs>
+    <ds:schemaRef ds:uri="http://schemas.microsoft.com/VisualStudio/2011/storyboarding/control"/>
+  </ds:schemaRefs>
+</ds:datastoreItem>
+</file>
+
+<file path=customXml/itemProps90.xml><?xml version="1.0" encoding="utf-8"?>
+<ds:datastoreItem xmlns:ds="http://schemas.openxmlformats.org/officeDocument/2006/customXml" ds:itemID="{B7A42A73-2EA0-4A32-9DBB-22DE93D4B369}">
+  <ds:schemaRefs>
+    <ds:schemaRef ds:uri="http://schemas.microsoft.com/VisualStudio/2011/storyboarding/control"/>
+  </ds:schemaRefs>
+</ds:datastoreItem>
+</file>
+
+<file path=customXml/itemProps91.xml><?xml version="1.0" encoding="utf-8"?>
+<ds:datastoreItem xmlns:ds="http://schemas.openxmlformats.org/officeDocument/2006/customXml" ds:itemID="{F3CE18EA-39C2-438B-B32D-C971EAC69635}">
+  <ds:schemaRefs>
+    <ds:schemaRef ds:uri="http://schemas.microsoft.com/VisualStudio/2011/storyboarding/control"/>
+  </ds:schemaRefs>
+</ds:datastoreItem>
+</file>
+
+<file path=customXml/itemProps92.xml><?xml version="1.0" encoding="utf-8"?>
+<ds:datastoreItem xmlns:ds="http://schemas.openxmlformats.org/officeDocument/2006/customXml" ds:itemID="{93B9FD15-193D-49AE-863C-0B4F12EB26A0}">
+  <ds:schemaRefs>
+    <ds:schemaRef ds:uri="http://schemas.microsoft.com/VisualStudio/2011/storyboarding/control"/>
+  </ds:schemaRefs>
+</ds:datastoreItem>
+</file>
+
+<file path=customXml/itemProps93.xml><?xml version="1.0" encoding="utf-8"?>
+<ds:datastoreItem xmlns:ds="http://schemas.openxmlformats.org/officeDocument/2006/customXml" ds:itemID="{71CE3ECC-8818-4F6B-BB75-4B67590622CB}">
+  <ds:schemaRefs>
+    <ds:schemaRef ds:uri="http://schemas.microsoft.com/VisualStudio/2011/storyboarding/control"/>
+  </ds:schemaRefs>
+</ds:datastoreItem>
+</file>
+
+<file path=customXml/itemProps94.xml><?xml version="1.0" encoding="utf-8"?>
+<ds:datastoreItem xmlns:ds="http://schemas.openxmlformats.org/officeDocument/2006/customXml" ds:itemID="{C4A057AD-A191-4211-8146-ABF4E07BF5F7}">
+  <ds:schemaRefs>
+    <ds:schemaRef ds:uri="http://schemas.microsoft.com/VisualStudio/2011/storyboarding/control"/>
+  </ds:schemaRefs>
+</ds:datastoreItem>
+</file>
+
+<file path=customXml/itemProps95.xml><?xml version="1.0" encoding="utf-8"?>
+<ds:datastoreItem xmlns:ds="http://schemas.openxmlformats.org/officeDocument/2006/customXml" ds:itemID="{6F26AE98-6056-4708-9DE9-938DCE00022D}">
+  <ds:schemaRefs>
+    <ds:schemaRef ds:uri="http://schemas.microsoft.com/VisualStudio/2011/storyboarding/control"/>
+  </ds:schemaRefs>
+</ds:datastoreItem>
+</file>
+
+<file path=customXml/itemProps96.xml><?xml version="1.0" encoding="utf-8"?>
+<ds:datastoreItem xmlns:ds="http://schemas.openxmlformats.org/officeDocument/2006/customXml" ds:itemID="{661B03C4-4329-4755-8735-C0B135AAB281}">
+  <ds:schemaRefs>
+    <ds:schemaRef ds:uri="http://schemas.microsoft.com/VisualStudio/2011/storyboarding/control"/>
+  </ds:schemaRefs>
+</ds:datastoreItem>
+</file>
+
+<file path=customXml/itemProps97.xml><?xml version="1.0" encoding="utf-8"?>
+<ds:datastoreItem xmlns:ds="http://schemas.openxmlformats.org/officeDocument/2006/customXml" ds:itemID="{54C9C601-2248-4B70-B3E6-2C86C638918F}">
+  <ds:schemaRefs>
+    <ds:schemaRef ds:uri="http://schemas.microsoft.com/VisualStudio/2011/storyboarding/control"/>
+  </ds:schemaRefs>
+</ds:datastoreItem>
+</file>
+
+<file path=customXml/itemProps98.xml><?xml version="1.0" encoding="utf-8"?>
+<ds:datastoreItem xmlns:ds="http://schemas.openxmlformats.org/officeDocument/2006/customXml" ds:itemID="{6ABE2D1E-8CA4-429E-9F96-718AB417354A}">
+  <ds:schemaRefs>
+    <ds:schemaRef ds:uri="http://schemas.microsoft.com/VisualStudio/2011/storyboarding/control"/>
+  </ds:schemaRefs>
+</ds:datastoreItem>
+</file>
+
+<file path=customXml/itemProps99.xml><?xml version="1.0" encoding="utf-8"?>
 <ds:datastoreItem xmlns:ds="http://schemas.openxmlformats.org/officeDocument/2006/customXml" ds:itemID="{E1CDDF28-5A3C-4D18-B577-8312229B451E}">
   <ds:schemaRefs>
     <ds:schemaRef ds:uri="http://schemas.microsoft.com/VisualStudio/2011/storyboarding/control"/>
   </ds:schemaRefs>
 </ds:datastoreItem>
-</file>
-
-<file path=customXml/itemProps58.xml><?xml version="1.0" encoding="utf-8"?>
-<ds:datastoreItem xmlns:ds="http://schemas.openxmlformats.org/officeDocument/2006/customXml" ds:itemID="{0581480E-7013-44FC-BE79-CF5EA6B7D88C}">
-  <ds:schemaRefs>
-    <ds:schemaRef ds:uri="http://schemas.microsoft.com/VisualStudio/2011/storyboarding/control"/>
-  </ds:schemaRefs>
-</ds:datastoreItem>
-</file>
-
-<file path=customXml/itemProps59.xml><?xml version="1.0" encoding="utf-8"?>
-<ds:datastoreItem xmlns:ds="http://schemas.openxmlformats.org/officeDocument/2006/customXml" ds:itemID="{33C221F5-8EA1-4416-8C93-BE449D2287DA}">
-  <ds:schemaRefs>
-    <ds:schemaRef ds:uri="http://schemas.microsoft.com/VisualStudio/2011/storyboarding/control"/>
-  </ds:schemaRefs>
-</ds:datastoreItem>
-</file>
-
-<file path=customXml/itemProps6.xml><?xml version="1.0" encoding="utf-8"?>
-<ds:datastoreItem xmlns:ds="http://schemas.openxmlformats.org/officeDocument/2006/customXml" ds:itemID="{85862C97-4D7C-4881-8ED9-0105087D4681}">
-  <ds:schemaRefs>
-    <ds:schemaRef ds:uri="http://schemas.microsoft.com/VisualStudio/2011/storyboarding/control"/>
-  </ds:schemaRefs>
-</ds:datastoreItem>
-</file>
-
-<file path=customXml/itemProps60.xml><?xml version="1.0" encoding="utf-8"?>
-<ds:datastoreItem xmlns:ds="http://schemas.openxmlformats.org/officeDocument/2006/customXml" ds:itemID="{0E1362E5-2D76-4115-A434-963C21634352}">
-  <ds:schemaRefs>
-    <ds:schemaRef ds:uri="http://schemas.microsoft.com/VisualStudio/2011/storyboarding/control"/>
-  </ds:schemaRefs>
-</ds:datastoreItem>
-</file>
-
-<file path=customXml/itemProps61.xml><?xml version="1.0" encoding="utf-8"?>
-<ds:datastoreItem xmlns:ds="http://schemas.openxmlformats.org/officeDocument/2006/customXml" ds:itemID="{C89A5B8A-D962-4A0B-B55A-30B868FA718E}">
-  <ds:schemaRefs>
-    <ds:schemaRef ds:uri="http://schemas.microsoft.com/VisualStudio/2011/storyboarding/control"/>
-  </ds:schemaRefs>
-</ds:datastoreItem>
-</file>
-
-<file path=customXml/itemProps62.xml><?xml version="1.0" encoding="utf-8"?>
-<ds:datastoreItem xmlns:ds="http://schemas.openxmlformats.org/officeDocument/2006/customXml" ds:itemID="{1B70BE2C-3C75-4238-AEB9-43D0F039D838}">
-  <ds:schemaRefs>
-    <ds:schemaRef ds:uri="http://schemas.microsoft.com/VisualStudio/2011/storyboarding/control"/>
-  </ds:schemaRefs>
-</ds:datastoreItem>
-</file>
-
-<file path=customXml/itemProps63.xml><?xml version="1.0" encoding="utf-8"?>
-<ds:datastoreItem xmlns:ds="http://schemas.openxmlformats.org/officeDocument/2006/customXml" ds:itemID="{2C424143-0EDB-49CD-9D34-D7FDF746D767}">
-  <ds:schemaRefs>
-    <ds:schemaRef ds:uri="http://schemas.microsoft.com/VisualStudio/2011/storyboarding/control"/>
-  </ds:schemaRefs>
-</ds:datastoreItem>
-</file>
-
-<file path=customXml/itemProps64.xml><?xml version="1.0" encoding="utf-8"?>
-<ds:datastoreItem xmlns:ds="http://schemas.openxmlformats.org/officeDocument/2006/customXml" ds:itemID="{7D908F62-D329-46BD-93CC-CF6E60E8F0DF}">
-  <ds:schemaRefs>
-    <ds:schemaRef ds:uri="http://schemas.microsoft.com/VisualStudio/2011/storyboarding/control"/>
-  </ds:schemaRefs>
-</ds:datastoreItem>
-</file>
-
-<file path=customXml/itemProps65.xml><?xml version="1.0" encoding="utf-8"?>
-<ds:datastoreItem xmlns:ds="http://schemas.openxmlformats.org/officeDocument/2006/customXml" ds:itemID="{7F97CA79-3735-4D60-B9A5-2E3484F47F74}">
-  <ds:schemaRefs>
-    <ds:schemaRef ds:uri="http://schemas.microsoft.com/VisualStudio/2011/storyboarding/control"/>
-  </ds:schemaRefs>
-</ds:datastoreItem>
-</file>
-
-<file path=customXml/itemProps66.xml><?xml version="1.0" encoding="utf-8"?>
-<ds:datastoreItem xmlns:ds="http://schemas.openxmlformats.org/officeDocument/2006/customXml" ds:itemID="{C976B2A7-2813-49BF-B0B0-524EB52CF4C1}">
-  <ds:schemaRefs>
-    <ds:schemaRef ds:uri="http://schemas.microsoft.com/VisualStudio/2011/storyboarding/control"/>
-  </ds:schemaRefs>
-</ds:datastoreItem>
-</file>
-
-<file path=customXml/itemProps67.xml><?xml version="1.0" encoding="utf-8"?>
-<ds:datastoreItem xmlns:ds="http://schemas.openxmlformats.org/officeDocument/2006/customXml" ds:itemID="{9F43CD08-2CA5-4B38-A77D-E1FE7B647939}">
-  <ds:schemaRefs>
-    <ds:schemaRef ds:uri="http://schemas.microsoft.com/VisualStudio/2011/storyboarding/control"/>
-  </ds:schemaRefs>
-</ds:datastoreItem>
-</file>
-
-<file path=customXml/itemProps68.xml><?xml version="1.0" encoding="utf-8"?>
-<ds:datastoreItem xmlns:ds="http://schemas.openxmlformats.org/officeDocument/2006/customXml" ds:itemID="{8DB4A136-FFE1-48E5-965A-72F7A37C0343}">
-  <ds:schemaRefs>
-    <ds:schemaRef ds:uri="http://schemas.microsoft.com/VisualStudio/2011/storyboarding/control"/>
-  </ds:schemaRefs>
-</ds:datastoreItem>
-</file>
-
-<file path=customXml/itemProps69.xml><?xml version="1.0" encoding="utf-8"?>
-<ds:datastoreItem xmlns:ds="http://schemas.openxmlformats.org/officeDocument/2006/customXml" ds:itemID="{922C7A2B-D7CB-418A-B5CA-5FBA7ECFD224}">
-  <ds:schemaRefs>
-    <ds:schemaRef ds:uri="http://schemas.microsoft.com/VisualStudio/2011/storyboarding/control"/>
-  </ds:schemaRefs>
-</ds:datastoreItem>
-</file>
-
-<file path=customXml/itemProps7.xml><?xml version="1.0" encoding="utf-8"?>
-<ds:datastoreItem xmlns:ds="http://schemas.openxmlformats.org/officeDocument/2006/customXml" ds:itemID="{11867D74-89D7-46A0-8739-D46A81052B4D}">
-  <ds:schemaRefs>
-    <ds:schemaRef ds:uri="http://schemas.microsoft.com/VisualStudio/2011/storyboarding/control"/>
-  </ds:schemaRefs>
-</ds:datastoreItem>
-</file>
-
-<file path=customXml/itemProps70.xml><?xml version="1.0" encoding="utf-8"?>
-<ds:datastoreItem xmlns:ds="http://schemas.openxmlformats.org/officeDocument/2006/customXml" ds:itemID="{B5314B62-608A-4327-BFFB-0B4483974FFC}">
-  <ds:schemaRefs>
-    <ds:schemaRef ds:uri="http://schemas.microsoft.com/VisualStudio/2011/storyboarding/control"/>
-  </ds:schemaRefs>
-</ds:datastoreItem>
-</file>
-
-<file path=customXml/itemProps71.xml><?xml version="1.0" encoding="utf-8"?>
-<ds:datastoreItem xmlns:ds="http://schemas.openxmlformats.org/officeDocument/2006/customXml" ds:itemID="{CBE2264E-B735-46F7-9C33-49D8F0E9629F}">
-  <ds:schemaRefs>
-    <ds:schemaRef ds:uri="http://schemas.microsoft.com/VisualStudio/2011/storyboarding/control"/>
-  </ds:schemaRefs>
-</ds:datastoreItem>
-</file>
-
-<file path=customXml/itemProps72.xml><?xml version="1.0" encoding="utf-8"?>
-<ds:datastoreItem xmlns:ds="http://schemas.openxmlformats.org/officeDocument/2006/customXml" ds:itemID="{6F26AE98-6056-4708-9DE9-938DCE00022D}">
-  <ds:schemaRefs>
-    <ds:schemaRef ds:uri="http://schemas.microsoft.com/VisualStudio/2011/storyboarding/control"/>
-  </ds:schemaRefs>
-</ds:datastoreItem>
-</file>
-
-<file path=customXml/itemProps73.xml><?xml version="1.0" encoding="utf-8"?>
-<ds:datastoreItem xmlns:ds="http://schemas.openxmlformats.org/officeDocument/2006/customXml" ds:itemID="{4C9D10DE-BC24-4FE9-ADBB-5DB0CD32A738}">
-  <ds:schemaRefs>
-    <ds:schemaRef ds:uri="http://schemas.microsoft.com/VisualStudio/2011/storyboarding/control"/>
-  </ds:schemaRefs>
-</ds:datastoreItem>
-</file>
-
-<file path=customXml/itemProps74.xml><?xml version="1.0" encoding="utf-8"?>
-<ds:datastoreItem xmlns:ds="http://schemas.openxmlformats.org/officeDocument/2006/customXml" ds:itemID="{7986EA6B-AE00-489A-8A49-0CF2062E1616}">
-  <ds:schemaRefs>
-    <ds:schemaRef ds:uri="http://schemas.microsoft.com/VisualStudio/2011/storyboarding/control"/>
-  </ds:schemaRefs>
-</ds:datastoreItem>
-</file>
-
-<file path=customXml/itemProps75.xml><?xml version="1.0" encoding="utf-8"?>
-<ds:datastoreItem xmlns:ds="http://schemas.openxmlformats.org/officeDocument/2006/customXml" ds:itemID="{25445565-960B-47D0-93DC-3E2517B0ABF5}">
-  <ds:schemaRefs>
-    <ds:schemaRef ds:uri="http://schemas.microsoft.com/VisualStudio/2011/storyboarding/control"/>
-  </ds:schemaRefs>
-</ds:datastoreItem>
-</file>
-
-<file path=customXml/itemProps76.xml><?xml version="1.0" encoding="utf-8"?>
-<ds:datastoreItem xmlns:ds="http://schemas.openxmlformats.org/officeDocument/2006/customXml" ds:itemID="{C4A057AD-A191-4211-8146-ABF4E07BF5F7}">
-  <ds:schemaRefs>
-    <ds:schemaRef ds:uri="http://schemas.microsoft.com/VisualStudio/2011/storyboarding/control"/>
-  </ds:schemaRefs>
-</ds:datastoreItem>
-</file>
-
-<file path=customXml/itemProps77.xml><?xml version="1.0" encoding="utf-8"?>
-<ds:datastoreItem xmlns:ds="http://schemas.openxmlformats.org/officeDocument/2006/customXml" ds:itemID="{5C5F2CA8-0C38-4947-B5B8-7070298171F9}">
-  <ds:schemaRefs>
-    <ds:schemaRef ds:uri="http://schemas.microsoft.com/VisualStudio/2011/storyboarding/control"/>
-  </ds:schemaRefs>
-</ds:datastoreItem>
-</file>
-
-<file path=customXml/itemProps78.xml><?xml version="1.0" encoding="utf-8"?>
-<ds:datastoreItem xmlns:ds="http://schemas.openxmlformats.org/officeDocument/2006/customXml" ds:itemID="{60983818-37F0-4FA3-B8B5-C6BEA12D3CB6}">
-  <ds:schemaRefs>
-    <ds:schemaRef ds:uri="http://schemas.microsoft.com/VisualStudio/2011/storyboarding/control"/>
-  </ds:schemaRefs>
-</ds:datastoreItem>
-</file>
-
-<file path=customXml/itemProps79.xml><?xml version="1.0" encoding="utf-8"?>
-<ds:datastoreItem xmlns:ds="http://schemas.openxmlformats.org/officeDocument/2006/customXml" ds:itemID="{978B7DA0-3EE5-49A1-B8D1-18B1D4497CE3}">
-  <ds:schemaRefs>
-    <ds:schemaRef ds:uri="http://schemas.microsoft.com/VisualStudio/2011/storyboarding/control"/>
-  </ds:schemaRefs>
-</ds:datastoreItem>
-</file>
-
-<file path=customXml/itemProps8.xml><?xml version="1.0" encoding="utf-8"?>
-<ds:datastoreItem xmlns:ds="http://schemas.openxmlformats.org/officeDocument/2006/customXml" ds:itemID="{E336889B-6CE1-43F1-A86F-53F87E3988D1}">
-  <ds:schemaRefs>
-    <ds:schemaRef ds:uri="http://schemas.microsoft.com/VisualStudio/2011/storyboarding/control"/>
-  </ds:schemaRefs>
-</ds:datastoreItem>
-</file>
-
-<file path=customXml/itemProps80.xml><?xml version="1.0" encoding="utf-8"?>
-<ds:datastoreItem xmlns:ds="http://schemas.openxmlformats.org/officeDocument/2006/customXml" ds:itemID="{4E13E8EA-C2B5-470A-B44A-CE5C24E81D2D}">
-  <ds:schemaRefs>
-    <ds:schemaRef ds:uri="http://schemas.microsoft.com/VisualStudio/2011/storyboarding/control"/>
-  </ds:schemaRefs>
-</ds:datastoreItem>
-</file>
-
-<file path=customXml/itemProps81.xml><?xml version="1.0" encoding="utf-8"?>
-<ds:datastoreItem xmlns:ds="http://schemas.openxmlformats.org/officeDocument/2006/customXml" ds:itemID="{1047FECA-A032-4A55-A04E-722D1A8BCC03}">
-  <ds:schemaRefs>
-    <ds:schemaRef ds:uri="http://schemas.microsoft.com/VisualStudio/2011/storyboarding/control"/>
-  </ds:schemaRefs>
-</ds:datastoreItem>
-</file>
-
-<file path=customXml/itemProps82.xml><?xml version="1.0" encoding="utf-8"?>
-<ds:datastoreItem xmlns:ds="http://schemas.openxmlformats.org/officeDocument/2006/customXml" ds:itemID="{F55D74E3-6233-4741-9C32-4B4F31A3E3DA}">
-  <ds:schemaRefs>
-    <ds:schemaRef ds:uri="http://schemas.microsoft.com/VisualStudio/2011/storyboarding/control"/>
-  </ds:schemaRefs>
-</ds:datastoreItem>
-</file>
-
-<file path=customXml/itemProps83.xml><?xml version="1.0" encoding="utf-8"?>
-<ds:datastoreItem xmlns:ds="http://schemas.openxmlformats.org/officeDocument/2006/customXml" ds:itemID="{DB003707-4FED-460C-A956-C176DDA6B012}">
-  <ds:schemaRefs>
-    <ds:schemaRef ds:uri="http://schemas.microsoft.com/VisualStudio/2011/storyboarding/control"/>
-  </ds:schemaRefs>
-</ds:datastoreItem>
-</file>
-
-<file path=customXml/itemProps84.xml><?xml version="1.0" encoding="utf-8"?>
-<ds:datastoreItem xmlns:ds="http://schemas.openxmlformats.org/officeDocument/2006/customXml" ds:itemID="{7436928D-EF54-4BC4-865F-8F195E33AE00}">
-  <ds:schemaRefs>
-    <ds:schemaRef ds:uri="http://schemas.microsoft.com/VisualStudio/2011/storyboarding/control"/>
-  </ds:schemaRefs>
-</ds:datastoreItem>
-</file>
-
-<file path=customXml/itemProps85.xml><?xml version="1.0" encoding="utf-8"?>
-<ds:datastoreItem xmlns:ds="http://schemas.openxmlformats.org/officeDocument/2006/customXml" ds:itemID="{AE2628E4-1FE7-4CBE-8110-29FE6DE84B04}">
-  <ds:schemaRefs>
-    <ds:schemaRef ds:uri="http://schemas.microsoft.com/VisualStudio/2011/storyboarding/control"/>
-  </ds:schemaRefs>
-</ds:datastoreItem>
-</file>
-
-<file path=customXml/itemProps86.xml><?xml version="1.0" encoding="utf-8"?>
-<ds:datastoreItem xmlns:ds="http://schemas.openxmlformats.org/officeDocument/2006/customXml" ds:itemID="{FD935BDD-2AA7-4210-AE97-FBBB5B7A7576}">
-  <ds:schemaRefs>
-    <ds:schemaRef ds:uri="http://schemas.microsoft.com/VisualStudio/2011/storyboarding/control"/>
-  </ds:schemaRefs>
-</ds:datastoreItem>
-</file>
-
-<file path=customXml/itemProps87.xml><?xml version="1.0" encoding="utf-8"?>
-<ds:datastoreItem xmlns:ds="http://schemas.openxmlformats.org/officeDocument/2006/customXml" ds:itemID="{3887F7B3-EE8D-4AAA-A4BD-76F458F99AE4}">
-  <ds:schemaRefs>
-    <ds:schemaRef ds:uri="http://schemas.microsoft.com/VisualStudio/2011/storyboarding/control"/>
-  </ds:schemaRefs>
-</ds:datastoreItem>
-</file>
-
-<file path=customXml/itemProps88.xml><?xml version="1.0" encoding="utf-8"?>
-<ds:datastoreItem xmlns:ds="http://schemas.openxmlformats.org/officeDocument/2006/customXml" ds:itemID="{952F9C8A-0F2D-4E1A-98A4-AFCB3B5155B5}">
-  <ds:schemaRefs>
-    <ds:schemaRef ds:uri="http://schemas.microsoft.com/VisualStudio/2011/storyboarding/control"/>
-  </ds:schemaRefs>
-</ds:datastoreItem>
-</file>
-
-<file path=customXml/itemProps89.xml><?xml version="1.0" encoding="utf-8"?>
-<ds:datastoreItem xmlns:ds="http://schemas.openxmlformats.org/officeDocument/2006/customXml" ds:itemID="{39AE16A1-D22E-4500-8D74-1D33B267A9C1}">
-  <ds:schemaRefs>
-    <ds:schemaRef ds:uri="http://schemas.microsoft.com/VisualStudio/2011/storyboarding/control"/>
-  </ds:schemaRefs>
-</ds:datastoreItem>
-</file>
-
-<file path=customXml/itemProps9.xml><?xml version="1.0" encoding="utf-8"?>
-<ds:datastoreItem xmlns:ds="http://schemas.openxmlformats.org/officeDocument/2006/customXml" ds:itemID="{43EFC07F-82D7-4598-940D-A844EB318ECF}">
-  <ds:schemaRefs>
-    <ds:schemaRef ds:uri="http://schemas.microsoft.com/VisualStudio/2011/storyboarding/control"/>
-  </ds:schemaRefs>
-</ds:datastoreItem>
-</file>
-
-<file path=customXml/itemProps90.xml><?xml version="1.0" encoding="utf-8"?>
-<ds:datastoreItem xmlns:ds="http://schemas.openxmlformats.org/officeDocument/2006/customXml" ds:itemID="{D94C8D40-AF2E-4EC9-9ACB-0DEF0186534C}">
-  <ds:schemaRefs>
-    <ds:schemaRef ds:uri="http://schemas.microsoft.com/VisualStudio/2011/storyboarding/control"/>
-  </ds:schemaRefs>
-</ds:datastoreItem>
-</file>
-
-<file path=customXml/itemProps91.xml><?xml version="1.0" encoding="utf-8"?>
-<ds:datastoreItem xmlns:ds="http://schemas.openxmlformats.org/officeDocument/2006/customXml" ds:itemID="{F5EE6137-2C27-4720-9541-1248F3087DE7}">
-  <ds:schemaRefs>
-    <ds:schemaRef ds:uri="http://schemas.microsoft.com/VisualStudio/2011/storyboarding/control"/>
-  </ds:schemaRefs>
-</ds:datastoreItem>
-</file>
-
-<file path=customXml/itemProps92.xml><?xml version="1.0" encoding="utf-8"?>
-<ds:datastoreItem xmlns:ds="http://schemas.openxmlformats.org/officeDocument/2006/customXml" ds:itemID="{21127576-5001-4C22-9707-FC73D3438783}">
-  <ds:schemaRefs>
-    <ds:schemaRef ds:uri="http://schemas.microsoft.com/VisualStudio/2011/storyboarding/control"/>
-  </ds:schemaRefs>
-</ds:datastoreItem>
-</file>
-
-<file path=customXml/itemProps93.xml><?xml version="1.0" encoding="utf-8"?>
-<ds:datastoreItem xmlns:ds="http://schemas.openxmlformats.org/officeDocument/2006/customXml" ds:itemID="{E8A9E837-4F07-47FC-8F77-482D5994BFE1}">
-  <ds:schemaRefs>
-    <ds:schemaRef ds:uri="http://schemas.microsoft.com/VisualStudio/2011/storyboarding/control"/>
-  </ds:schemaRefs>
-</ds:datastoreItem>
-</file>
-
-<file path=customXml/itemProps94.xml><?xml version="1.0" encoding="utf-8"?>
-<ds:datastoreItem xmlns:ds="http://schemas.openxmlformats.org/officeDocument/2006/customXml" ds:itemID="{617250DC-C9A9-4C3E-9ACD-37072BAA29BD}">
-  <ds:schemaRefs>
-    <ds:schemaRef ds:uri="http://schemas.microsoft.com/VisualStudio/2011/storyboarding/control"/>
-  </ds:schemaRefs>
-</ds:datastoreItem>
 </file>